--- a/Project-PPT.pptx
+++ b/Project-PPT.pptx
@@ -6,6 +6,7 @@
   </p:sldMasterIdLst>
   <p:sldIdLst>
     <p:sldId id="256" r:id="rId2"/>
+    <p:sldId id="257" r:id="rId3"/>
   </p:sldIdLst>
   <p:sldSz cx="9144000" cy="6858000" type="screen4x3"/>
   <p:notesSz cx="6858000" cy="9144000"/>
@@ -388,7 +389,7 @@
             <a:fld id="{1D8BD707-D9CF-40AE-B4C6-C98DA3205C09}" type="datetimeFigureOut">
               <a:rPr lang="en-US" smtClean="0"/>
               <a:pPr/>
-              <a:t>12/17/2021</a:t>
+              <a:t>12/19/2021</a:t>
             </a:fld>
             <a:endParaRPr lang="en-US"/>
           </a:p>
@@ -783,7 +784,7 @@
             <a:fld id="{1D8BD707-D9CF-40AE-B4C6-C98DA3205C09}" type="datetimeFigureOut">
               <a:rPr lang="en-US" smtClean="0"/>
               <a:pPr/>
-              <a:t>12/17/2021</a:t>
+              <a:t>12/19/2021</a:t>
             </a:fld>
             <a:endParaRPr lang="en-US"/>
           </a:p>
@@ -1318,7 +1319,7 @@
             <a:fld id="{1D8BD707-D9CF-40AE-B4C6-C98DA3205C09}" type="datetimeFigureOut">
               <a:rPr lang="en-US" smtClean="0"/>
               <a:pPr/>
-              <a:t>12/17/2021</a:t>
+              <a:t>12/19/2021</a:t>
             </a:fld>
             <a:endParaRPr lang="en-US"/>
           </a:p>
@@ -1452,7 +1453,7 @@
             <a:fld id="{1D8BD707-D9CF-40AE-B4C6-C98DA3205C09}" type="datetimeFigureOut">
               <a:rPr lang="en-US" smtClean="0"/>
               <a:pPr/>
-              <a:t>12/17/2021</a:t>
+              <a:t>12/19/2021</a:t>
             </a:fld>
             <a:endParaRPr lang="en-US"/>
           </a:p>
@@ -1997,7 +1998,7 @@
             <a:fld id="{1D8BD707-D9CF-40AE-B4C6-C98DA3205C09}" type="datetimeFigureOut">
               <a:rPr lang="en-US" smtClean="0"/>
               <a:pPr/>
-              <a:t>12/17/2021</a:t>
+              <a:t>12/19/2021</a:t>
             </a:fld>
             <a:endParaRPr lang="en-US"/>
           </a:p>
@@ -2294,7 +2295,7 @@
             <a:fld id="{1D8BD707-D9CF-40AE-B4C6-C98DA3205C09}" type="datetimeFigureOut">
               <a:rPr lang="en-US" smtClean="0"/>
               <a:pPr/>
-              <a:t>12/17/2021</a:t>
+              <a:t>12/19/2021</a:t>
             </a:fld>
             <a:endParaRPr lang="en-US"/>
           </a:p>
@@ -2955,7 +2956,7 @@
             <a:fld id="{1D8BD707-D9CF-40AE-B4C6-C98DA3205C09}" type="datetimeFigureOut">
               <a:rPr lang="en-US" smtClean="0"/>
               <a:pPr/>
-              <a:t>12/17/2021</a:t>
+              <a:t>12/19/2021</a:t>
             </a:fld>
             <a:endParaRPr lang="en-US"/>
           </a:p>
@@ -3393,7 +3394,7 @@
             <a:fld id="{1D8BD707-D9CF-40AE-B4C6-C98DA3205C09}" type="datetimeFigureOut">
               <a:rPr lang="en-US" smtClean="0"/>
               <a:pPr/>
-              <a:t>12/17/2021</a:t>
+              <a:t>12/19/2021</a:t>
             </a:fld>
             <a:endParaRPr lang="en-US"/>
           </a:p>
@@ -3708,7 +3709,7 @@
             <a:fld id="{1D8BD707-D9CF-40AE-B4C6-C98DA3205C09}" type="datetimeFigureOut">
               <a:rPr lang="en-US" smtClean="0"/>
               <a:pPr/>
-              <a:t>12/17/2021</a:t>
+              <a:t>12/19/2021</a:t>
             </a:fld>
             <a:endParaRPr lang="en-US"/>
           </a:p>
@@ -4443,7 +4444,7 @@
             <a:fld id="{1D8BD707-D9CF-40AE-B4C6-C98DA3205C09}" type="datetimeFigureOut">
               <a:rPr lang="en-US" smtClean="0"/>
               <a:pPr/>
-              <a:t>12/17/2021</a:t>
+              <a:t>12/19/2021</a:t>
             </a:fld>
             <a:endParaRPr lang="en-US"/>
           </a:p>
@@ -5109,7 +5110,7 @@
             <a:fld id="{1D8BD707-D9CF-40AE-B4C6-C98DA3205C09}" type="datetimeFigureOut">
               <a:rPr lang="en-US" smtClean="0"/>
               <a:pPr/>
-              <a:t>12/17/2021</a:t>
+              <a:t>12/19/2021</a:t>
             </a:fld>
             <a:endParaRPr lang="en-US"/>
           </a:p>
@@ -5383,7 +5384,7 @@
             <a:fld id="{1D8BD707-D9CF-40AE-B4C6-C98DA3205C09}" type="datetimeFigureOut">
               <a:rPr lang="en-US" smtClean="0"/>
               <a:pPr/>
-              <a:t>12/17/2021</a:t>
+              <a:t>12/19/2021</a:t>
             </a:fld>
             <a:endParaRPr lang="en-US"/>
           </a:p>
@@ -6089,6 +6090,69 @@
               <a:t>SOLD BY AMAZON</a:t>
             </a:r>
             <a:endParaRPr lang="en-US" b="1" dirty="0"/>
+          </a:p>
+        </p:txBody>
+      </p:sp>
+    </p:spTree>
+  </p:cSld>
+  <p:clrMapOvr>
+    <a:masterClrMapping/>
+  </p:clrMapOvr>
+</p:sld>
+</file>
+
+<file path=ppt/slides/slide2.xml><?xml version="1.0" encoding="utf-8"?>
+<p:sld xmlns:a="http://schemas.openxmlformats.org/drawingml/2006/main" xmlns:r="http://schemas.openxmlformats.org/officeDocument/2006/relationships" xmlns:p="http://schemas.openxmlformats.org/presentationml/2006/main">
+  <p:cSld>
+    <p:spTree>
+      <p:nvGrpSpPr>
+        <p:cNvPr id="1" name=""/>
+        <p:cNvGrpSpPr/>
+        <p:nvPr/>
+      </p:nvGrpSpPr>
+      <p:grpSpPr>
+        <a:xfrm>
+          <a:off x="0" y="0"/>
+          <a:ext cx="0" cy="0"/>
+          <a:chOff x="0" y="0"/>
+          <a:chExt cx="0" cy="0"/>
+        </a:xfrm>
+      </p:grpSpPr>
+      <p:sp>
+        <p:nvSpPr>
+          <p:cNvPr id="2" name="Title 1"/>
+          <p:cNvSpPr>
+            <a:spLocks noGrp="1"/>
+          </p:cNvSpPr>
+          <p:nvPr>
+            <p:ph type="title"/>
+          </p:nvPr>
+        </p:nvSpPr>
+        <p:spPr/>
+        <p:txBody>
+          <a:bodyPr/>
+          <a:lstStyle/>
+          <a:p>
+            <a:endParaRPr lang="en-US"/>
+          </a:p>
+        </p:txBody>
+      </p:sp>
+      <p:sp>
+        <p:nvSpPr>
+          <p:cNvPr id="3" name="Content Placeholder 2"/>
+          <p:cNvSpPr>
+            <a:spLocks noGrp="1"/>
+          </p:cNvSpPr>
+          <p:nvPr>
+            <p:ph sz="quarter" idx="1"/>
+          </p:nvPr>
+        </p:nvSpPr>
+        <p:spPr/>
+        <p:txBody>
+          <a:bodyPr/>
+          <a:lstStyle/>
+          <a:p>
+            <a:endParaRPr lang="en-US"/>
           </a:p>
         </p:txBody>
       </p:sp>

--- a/Project-PPT.pptx
+++ b/Project-PPT.pptx
@@ -7,6 +7,11 @@
   <p:sldIdLst>
     <p:sldId id="256" r:id="rId2"/>
     <p:sldId id="257" r:id="rId3"/>
+    <p:sldId id="258" r:id="rId4"/>
+    <p:sldId id="259" r:id="rId5"/>
+    <p:sldId id="260" r:id="rId6"/>
+    <p:sldId id="261" r:id="rId7"/>
+    <p:sldId id="262" r:id="rId8"/>
   </p:sldIdLst>
   <p:sldSz cx="9144000" cy="6858000" type="screen4x3"/>
   <p:notesSz cx="6858000" cy="9144000"/>
@@ -6133,29 +6138,465 @@
           <a:bodyPr/>
           <a:lstStyle/>
           <a:p>
-            <a:endParaRPr lang="en-US"/>
-          </a:p>
-        </p:txBody>
-      </p:sp>
-      <p:sp>
-        <p:nvSpPr>
-          <p:cNvPr id="3" name="Content Placeholder 2"/>
+            <a:r>
+              <a:rPr lang="en-US" dirty="0" smtClean="0"/>
+              <a:t>The </a:t>
+            </a:r>
+            <a:r>
+              <a:rPr lang="en-US" dirty="0" smtClean="0"/>
+              <a:t>most popular manufacturer of </a:t>
+            </a:r>
+            <a:r>
+              <a:rPr lang="en-US" dirty="0" smtClean="0"/>
+              <a:t>Amazon</a:t>
+            </a:r>
+            <a:endParaRPr lang="en-US" dirty="0"/>
+          </a:p>
+        </p:txBody>
+      </p:sp>
+      <p:pic>
+        <p:nvPicPr>
+          <p:cNvPr id="1026" name="Picture 2"/>
+          <p:cNvPicPr>
+            <a:picLocks noGrp="1" noChangeAspect="1" noChangeArrowheads="1"/>
+          </p:cNvPicPr>
+          <p:nvPr>
+            <p:ph sz="quarter" idx="1"/>
+          </p:nvPr>
+        </p:nvPicPr>
+        <p:blipFill>
+          <a:blip r:embed="rId2" cstate="print"/>
+          <a:srcRect/>
+          <a:stretch>
+            <a:fillRect/>
+          </a:stretch>
+        </p:blipFill>
+        <p:spPr bwMode="auto">
+          <a:xfrm>
+            <a:off x="533400" y="1524000"/>
+            <a:ext cx="8382000" cy="4876800"/>
+          </a:xfrm>
+          <a:prstGeom prst="rect">
+            <a:avLst/>
+          </a:prstGeom>
+          <a:noFill/>
+          <a:ln w="9525">
+            <a:noFill/>
+            <a:miter lim="800000"/>
+            <a:headEnd/>
+            <a:tailEnd/>
+          </a:ln>
+        </p:spPr>
+      </p:pic>
+    </p:spTree>
+  </p:cSld>
+  <p:clrMapOvr>
+    <a:masterClrMapping/>
+  </p:clrMapOvr>
+</p:sld>
+</file>
+
+<file path=ppt/slides/slide3.xml><?xml version="1.0" encoding="utf-8"?>
+<p:sld xmlns:a="http://schemas.openxmlformats.org/drawingml/2006/main" xmlns:r="http://schemas.openxmlformats.org/officeDocument/2006/relationships" xmlns:p="http://schemas.openxmlformats.org/presentationml/2006/main">
+  <p:cSld>
+    <p:spTree>
+      <p:nvGrpSpPr>
+        <p:cNvPr id="1" name=""/>
+        <p:cNvGrpSpPr/>
+        <p:nvPr/>
+      </p:nvGrpSpPr>
+      <p:grpSpPr>
+        <a:xfrm>
+          <a:off x="0" y="0"/>
+          <a:ext cx="0" cy="0"/>
+          <a:chOff x="0" y="0"/>
+          <a:chExt cx="0" cy="0"/>
+        </a:xfrm>
+      </p:grpSpPr>
+      <p:sp>
+        <p:nvSpPr>
+          <p:cNvPr id="2" name="Title 1"/>
           <p:cNvSpPr>
             <a:spLocks noGrp="1"/>
           </p:cNvSpPr>
           <p:nvPr>
+            <p:ph type="title"/>
+          </p:nvPr>
+        </p:nvSpPr>
+        <p:spPr/>
+        <p:txBody>
+          <a:bodyPr/>
+          <a:lstStyle/>
+          <a:p>
+            <a:r>
+              <a:rPr lang="en-US" dirty="0" smtClean="0"/>
+              <a:t>The </a:t>
+            </a:r>
+            <a:r>
+              <a:rPr lang="en-US" dirty="0" smtClean="0"/>
+              <a:t>average prices of Amazon</a:t>
+            </a:r>
+            <a:endParaRPr lang="en-US" dirty="0"/>
+          </a:p>
+        </p:txBody>
+      </p:sp>
+      <p:pic>
+        <p:nvPicPr>
+          <p:cNvPr id="2050" name="Picture 2"/>
+          <p:cNvPicPr>
+            <a:picLocks noGrp="1" noChangeAspect="1" noChangeArrowheads="1"/>
+          </p:cNvPicPr>
+          <p:nvPr>
             <p:ph sz="quarter" idx="1"/>
           </p:nvPr>
+        </p:nvPicPr>
+        <p:blipFill>
+          <a:blip r:embed="rId2" cstate="print"/>
+          <a:srcRect/>
+          <a:stretch>
+            <a:fillRect/>
+          </a:stretch>
+        </p:blipFill>
+        <p:spPr bwMode="auto">
+          <a:xfrm>
+            <a:off x="304800" y="1676400"/>
+            <a:ext cx="8381999" cy="4648200"/>
+          </a:xfrm>
+          <a:prstGeom prst="rect">
+            <a:avLst/>
+          </a:prstGeom>
+          <a:noFill/>
+          <a:ln w="9525">
+            <a:noFill/>
+            <a:miter lim="800000"/>
+            <a:headEnd/>
+            <a:tailEnd/>
+          </a:ln>
+        </p:spPr>
+      </p:pic>
+    </p:spTree>
+  </p:cSld>
+  <p:clrMapOvr>
+    <a:masterClrMapping/>
+  </p:clrMapOvr>
+</p:sld>
+</file>
+
+<file path=ppt/slides/slide4.xml><?xml version="1.0" encoding="utf-8"?>
+<p:sld xmlns:a="http://schemas.openxmlformats.org/drawingml/2006/main" xmlns:r="http://schemas.openxmlformats.org/officeDocument/2006/relationships" xmlns:p="http://schemas.openxmlformats.org/presentationml/2006/main">
+  <p:cSld>
+    <p:spTree>
+      <p:nvGrpSpPr>
+        <p:cNvPr id="1" name=""/>
+        <p:cNvGrpSpPr/>
+        <p:nvPr/>
+      </p:nvGrpSpPr>
+      <p:grpSpPr>
+        <a:xfrm>
+          <a:off x="0" y="0"/>
+          <a:ext cx="0" cy="0"/>
+          <a:chOff x="0" y="0"/>
+          <a:chExt cx="0" cy="0"/>
+        </a:xfrm>
+      </p:grpSpPr>
+      <p:sp>
+        <p:nvSpPr>
+          <p:cNvPr id="2" name="Title 1"/>
+          <p:cNvSpPr>
+            <a:spLocks noGrp="1"/>
+          </p:cNvSpPr>
+          <p:nvPr>
+            <p:ph type="title"/>
+          </p:nvPr>
         </p:nvSpPr>
         <p:spPr/>
         <p:txBody>
           <a:bodyPr/>
           <a:lstStyle/>
           <a:p>
-            <a:endParaRPr lang="en-US"/>
-          </a:p>
-        </p:txBody>
-      </p:sp>
+            <a:r>
+              <a:rPr lang="en-US" dirty="0" smtClean="0"/>
+              <a:t> Rating </a:t>
+            </a:r>
+            <a:r>
+              <a:rPr lang="en-US" dirty="0" smtClean="0"/>
+              <a:t>of 5 </a:t>
+            </a:r>
+            <a:r>
+              <a:rPr lang="en-US" dirty="0" smtClean="0"/>
+              <a:t>stars for products</a:t>
+            </a:r>
+            <a:endParaRPr lang="en-US" dirty="0"/>
+          </a:p>
+        </p:txBody>
+      </p:sp>
+      <p:pic>
+        <p:nvPicPr>
+          <p:cNvPr id="3074" name="Picture 2"/>
+          <p:cNvPicPr>
+            <a:picLocks noGrp="1" noChangeAspect="1" noChangeArrowheads="1"/>
+          </p:cNvPicPr>
+          <p:nvPr>
+            <p:ph sz="quarter" idx="1"/>
+          </p:nvPr>
+        </p:nvPicPr>
+        <p:blipFill>
+          <a:blip r:embed="rId2" cstate="print"/>
+          <a:srcRect/>
+          <a:stretch>
+            <a:fillRect/>
+          </a:stretch>
+        </p:blipFill>
+        <p:spPr bwMode="auto">
+          <a:xfrm>
+            <a:off x="381000" y="1541462"/>
+            <a:ext cx="8381999" cy="4859338"/>
+          </a:xfrm>
+          <a:prstGeom prst="rect">
+            <a:avLst/>
+          </a:prstGeom>
+          <a:noFill/>
+          <a:ln w="9525">
+            <a:noFill/>
+            <a:miter lim="800000"/>
+            <a:headEnd/>
+            <a:tailEnd/>
+          </a:ln>
+        </p:spPr>
+      </p:pic>
+    </p:spTree>
+  </p:cSld>
+  <p:clrMapOvr>
+    <a:masterClrMapping/>
+  </p:clrMapOvr>
+</p:sld>
+</file>
+
+<file path=ppt/slides/slide5.xml><?xml version="1.0" encoding="utf-8"?>
+<p:sld xmlns:a="http://schemas.openxmlformats.org/drawingml/2006/main" xmlns:r="http://schemas.openxmlformats.org/officeDocument/2006/relationships" xmlns:p="http://schemas.openxmlformats.org/presentationml/2006/main">
+  <p:cSld>
+    <p:spTree>
+      <p:nvGrpSpPr>
+        <p:cNvPr id="1" name=""/>
+        <p:cNvGrpSpPr/>
+        <p:nvPr/>
+      </p:nvGrpSpPr>
+      <p:grpSpPr>
+        <a:xfrm>
+          <a:off x="0" y="0"/>
+          <a:ext cx="0" cy="0"/>
+          <a:chOff x="0" y="0"/>
+          <a:chExt cx="0" cy="0"/>
+        </a:xfrm>
+      </p:grpSpPr>
+      <p:sp>
+        <p:nvSpPr>
+          <p:cNvPr id="2" name="Title 1"/>
+          <p:cNvSpPr>
+            <a:spLocks noGrp="1"/>
+          </p:cNvSpPr>
+          <p:nvPr>
+            <p:ph type="title"/>
+          </p:nvPr>
+        </p:nvSpPr>
+        <p:spPr/>
+        <p:txBody>
+          <a:bodyPr/>
+          <a:lstStyle/>
+          <a:p>
+            <a:r>
+              <a:rPr lang="en-US" dirty="0" smtClean="0"/>
+              <a:t>Expensive </a:t>
+            </a:r>
+            <a:r>
+              <a:rPr lang="en-US" dirty="0" smtClean="0"/>
+              <a:t>products worth the price?</a:t>
+            </a:r>
+            <a:endParaRPr lang="en-US" dirty="0"/>
+          </a:p>
+        </p:txBody>
+      </p:sp>
+      <p:pic>
+        <p:nvPicPr>
+          <p:cNvPr id="4098" name="Picture 2"/>
+          <p:cNvPicPr>
+            <a:picLocks noGrp="1" noChangeAspect="1" noChangeArrowheads="1"/>
+          </p:cNvPicPr>
+          <p:nvPr>
+            <p:ph sz="quarter" idx="1"/>
+          </p:nvPr>
+        </p:nvPicPr>
+        <p:blipFill>
+          <a:blip r:embed="rId2" cstate="print"/>
+          <a:srcRect/>
+          <a:stretch>
+            <a:fillRect/>
+          </a:stretch>
+        </p:blipFill>
+        <p:spPr bwMode="auto">
+          <a:xfrm>
+            <a:off x="381000" y="1828800"/>
+            <a:ext cx="8077200" cy="4419600"/>
+          </a:xfrm>
+          <a:prstGeom prst="rect">
+            <a:avLst/>
+          </a:prstGeom>
+          <a:noFill/>
+          <a:ln w="9525">
+            <a:noFill/>
+            <a:miter lim="800000"/>
+            <a:headEnd/>
+            <a:tailEnd/>
+          </a:ln>
+        </p:spPr>
+      </p:pic>
+    </p:spTree>
+  </p:cSld>
+  <p:clrMapOvr>
+    <a:masterClrMapping/>
+  </p:clrMapOvr>
+</p:sld>
+</file>
+
+<file path=ppt/slides/slide6.xml><?xml version="1.0" encoding="utf-8"?>
+<p:sld xmlns:a="http://schemas.openxmlformats.org/drawingml/2006/main" xmlns:r="http://schemas.openxmlformats.org/officeDocument/2006/relationships" xmlns:p="http://schemas.openxmlformats.org/presentationml/2006/main">
+  <p:cSld>
+    <p:spTree>
+      <p:nvGrpSpPr>
+        <p:cNvPr id="1" name=""/>
+        <p:cNvGrpSpPr/>
+        <p:nvPr/>
+      </p:nvGrpSpPr>
+      <p:grpSpPr>
+        <a:xfrm>
+          <a:off x="0" y="0"/>
+          <a:ext cx="0" cy="0"/>
+          <a:chOff x="0" y="0"/>
+          <a:chExt cx="0" cy="0"/>
+        </a:xfrm>
+      </p:grpSpPr>
+      <p:sp>
+        <p:nvSpPr>
+          <p:cNvPr id="2" name="Title 1"/>
+          <p:cNvSpPr>
+            <a:spLocks noGrp="1"/>
+          </p:cNvSpPr>
+          <p:nvPr>
+            <p:ph type="title"/>
+          </p:nvPr>
+        </p:nvSpPr>
+        <p:spPr/>
+        <p:txBody>
+          <a:bodyPr/>
+          <a:lstStyle/>
+          <a:p>
+            <a:r>
+              <a:rPr lang="en-US" dirty="0" smtClean="0"/>
+              <a:t>Questions </a:t>
+            </a:r>
+            <a:r>
+              <a:rPr lang="en-US" dirty="0" smtClean="0"/>
+              <a:t>are generally </a:t>
+            </a:r>
+            <a:r>
+              <a:rPr lang="en-US" dirty="0" smtClean="0"/>
+              <a:t>answered</a:t>
+            </a:r>
+            <a:endParaRPr lang="en-US" dirty="0"/>
+          </a:p>
+        </p:txBody>
+      </p:sp>
+      <p:pic>
+        <p:nvPicPr>
+          <p:cNvPr id="5123" name="Picture 3"/>
+          <p:cNvPicPr>
+            <a:picLocks noGrp="1" noChangeAspect="1" noChangeArrowheads="1"/>
+          </p:cNvPicPr>
+          <p:nvPr>
+            <p:ph sz="quarter" idx="1"/>
+          </p:nvPr>
+        </p:nvPicPr>
+        <p:blipFill>
+          <a:blip r:embed="rId2" cstate="print"/>
+          <a:srcRect/>
+          <a:stretch>
+            <a:fillRect/>
+          </a:stretch>
+        </p:blipFill>
+        <p:spPr bwMode="auto">
+          <a:xfrm>
+            <a:off x="432984" y="1527175"/>
+            <a:ext cx="8241520" cy="4572000"/>
+          </a:xfrm>
+          <a:prstGeom prst="rect">
+            <a:avLst/>
+          </a:prstGeom>
+          <a:noFill/>
+          <a:ln w="9525">
+            <a:noFill/>
+            <a:miter lim="800000"/>
+            <a:headEnd/>
+            <a:tailEnd/>
+          </a:ln>
+        </p:spPr>
+      </p:pic>
+    </p:spTree>
+  </p:cSld>
+  <p:clrMapOvr>
+    <a:masterClrMapping/>
+  </p:clrMapOvr>
+</p:sld>
+</file>
+
+<file path=ppt/slides/slide7.xml><?xml version="1.0" encoding="utf-8"?>
+<p:sld xmlns:a="http://schemas.openxmlformats.org/drawingml/2006/main" xmlns:r="http://schemas.openxmlformats.org/officeDocument/2006/relationships" xmlns:p="http://schemas.openxmlformats.org/presentationml/2006/main">
+  <p:cSld>
+    <p:spTree>
+      <p:nvGrpSpPr>
+        <p:cNvPr id="1" name=""/>
+        <p:cNvGrpSpPr/>
+        <p:nvPr/>
+      </p:nvGrpSpPr>
+      <p:grpSpPr>
+        <a:xfrm>
+          <a:off x="0" y="0"/>
+          <a:ext cx="0" cy="0"/>
+          <a:chOff x="0" y="0"/>
+          <a:chExt cx="0" cy="0"/>
+        </a:xfrm>
+      </p:grpSpPr>
+      <p:pic>
+        <p:nvPicPr>
+          <p:cNvPr id="6146" name="Picture 2"/>
+          <p:cNvPicPr>
+            <a:picLocks noChangeAspect="1" noChangeArrowheads="1"/>
+          </p:cNvPicPr>
+          <p:nvPr/>
+        </p:nvPicPr>
+        <p:blipFill>
+          <a:blip r:embed="rId2" cstate="print"/>
+          <a:srcRect/>
+          <a:stretch>
+            <a:fillRect/>
+          </a:stretch>
+        </p:blipFill>
+        <p:spPr bwMode="auto">
+          <a:xfrm>
+            <a:off x="0" y="0"/>
+            <a:ext cx="9144000" cy="6858000"/>
+          </a:xfrm>
+          <a:prstGeom prst="rect">
+            <a:avLst/>
+          </a:prstGeom>
+          <a:noFill/>
+          <a:ln w="9525">
+            <a:noFill/>
+            <a:miter lim="800000"/>
+            <a:headEnd/>
+            <a:tailEnd/>
+          </a:ln>
+        </p:spPr>
+      </p:pic>
     </p:spTree>
   </p:cSld>
   <p:clrMapOvr>

--- a/Project-PPT.pptx
+++ b/Project-PPT.pptx
@@ -4,6 +4,9 @@
   <p:sldMasterIdLst>
     <p:sldMasterId id="2147483660" r:id="rId1"/>
   </p:sldMasterIdLst>
+  <p:notesMasterIdLst>
+    <p:notesMasterId r:id="rId9"/>
+  </p:notesMasterIdLst>
   <p:sldIdLst>
     <p:sldId id="256" r:id="rId2"/>
     <p:sldId id="257" r:id="rId3"/>
@@ -113,6 +116,434 @@
 </p:presentation>
 </file>
 
+<file path=ppt/notesMasters/notesMaster1.xml><?xml version="1.0" encoding="utf-8"?>
+<p:notesMaster xmlns:a="http://schemas.openxmlformats.org/drawingml/2006/main" xmlns:r="http://schemas.openxmlformats.org/officeDocument/2006/relationships" xmlns:p="http://schemas.openxmlformats.org/presentationml/2006/main">
+  <p:cSld>
+    <p:bg>
+      <p:bgRef idx="1001">
+        <a:schemeClr val="bg1"/>
+      </p:bgRef>
+    </p:bg>
+    <p:spTree>
+      <p:nvGrpSpPr>
+        <p:cNvPr id="1" name=""/>
+        <p:cNvGrpSpPr/>
+        <p:nvPr/>
+      </p:nvGrpSpPr>
+      <p:grpSpPr>
+        <a:xfrm>
+          <a:off x="0" y="0"/>
+          <a:ext cx="0" cy="0"/>
+          <a:chOff x="0" y="0"/>
+          <a:chExt cx="0" cy="0"/>
+        </a:xfrm>
+      </p:grpSpPr>
+      <p:sp>
+        <p:nvSpPr>
+          <p:cNvPr id="2" name="Header Placeholder 1"/>
+          <p:cNvSpPr>
+            <a:spLocks noGrp="1"/>
+          </p:cNvSpPr>
+          <p:nvPr>
+            <p:ph type="hdr" sz="quarter"/>
+          </p:nvPr>
+        </p:nvSpPr>
+        <p:spPr>
+          <a:xfrm>
+            <a:off x="0" y="0"/>
+            <a:ext cx="2971800" cy="457200"/>
+          </a:xfrm>
+          <a:prstGeom prst="rect">
+            <a:avLst/>
+          </a:prstGeom>
+        </p:spPr>
+        <p:txBody>
+          <a:bodyPr vert="horz" lIns="91440" tIns="45720" rIns="91440" bIns="45720" rtlCol="0"/>
+          <a:lstStyle>
+            <a:lvl1pPr algn="l">
+              <a:defRPr sz="1200"/>
+            </a:lvl1pPr>
+          </a:lstStyle>
+          <a:p>
+            <a:endParaRPr lang="en-US"/>
+          </a:p>
+        </p:txBody>
+      </p:sp>
+      <p:sp>
+        <p:nvSpPr>
+          <p:cNvPr id="3" name="Date Placeholder 2"/>
+          <p:cNvSpPr>
+            <a:spLocks noGrp="1"/>
+          </p:cNvSpPr>
+          <p:nvPr>
+            <p:ph type="dt" idx="1"/>
+          </p:nvPr>
+        </p:nvSpPr>
+        <p:spPr>
+          <a:xfrm>
+            <a:off x="3884613" y="0"/>
+            <a:ext cx="2971800" cy="457200"/>
+          </a:xfrm>
+          <a:prstGeom prst="rect">
+            <a:avLst/>
+          </a:prstGeom>
+        </p:spPr>
+        <p:txBody>
+          <a:bodyPr vert="horz" lIns="91440" tIns="45720" rIns="91440" bIns="45720" rtlCol="0"/>
+          <a:lstStyle>
+            <a:lvl1pPr algn="r">
+              <a:defRPr sz="1200"/>
+            </a:lvl1pPr>
+          </a:lstStyle>
+          <a:p>
+            <a:fld id="{8D90036C-4D6C-471F-BA30-E9D147C79E67}" type="datetimeFigureOut">
+              <a:rPr lang="en-US" smtClean="0"/>
+              <a:t>12/19/2021</a:t>
+            </a:fld>
+            <a:endParaRPr lang="en-US"/>
+          </a:p>
+        </p:txBody>
+      </p:sp>
+      <p:sp>
+        <p:nvSpPr>
+          <p:cNvPr id="4" name="Slide Image Placeholder 3"/>
+          <p:cNvSpPr>
+            <a:spLocks noGrp="1" noRot="1" noChangeAspect="1"/>
+          </p:cNvSpPr>
+          <p:nvPr>
+            <p:ph type="sldImg" idx="2"/>
+          </p:nvPr>
+        </p:nvSpPr>
+        <p:spPr>
+          <a:xfrm>
+            <a:off x="1143000" y="685800"/>
+            <a:ext cx="4572000" cy="3429000"/>
+          </a:xfrm>
+          <a:prstGeom prst="rect">
+            <a:avLst/>
+          </a:prstGeom>
+          <a:noFill/>
+          <a:ln w="12700">
+            <a:solidFill>
+              <a:prstClr val="black"/>
+            </a:solidFill>
+          </a:ln>
+        </p:spPr>
+        <p:txBody>
+          <a:bodyPr vert="horz" lIns="91440" tIns="45720" rIns="91440" bIns="45720" rtlCol="0" anchor="ctr"/>
+          <a:lstStyle/>
+          <a:p>
+            <a:endParaRPr lang="en-US"/>
+          </a:p>
+        </p:txBody>
+      </p:sp>
+      <p:sp>
+        <p:nvSpPr>
+          <p:cNvPr id="5" name="Notes Placeholder 4"/>
+          <p:cNvSpPr>
+            <a:spLocks noGrp="1"/>
+          </p:cNvSpPr>
+          <p:nvPr>
+            <p:ph type="body" sz="quarter" idx="3"/>
+          </p:nvPr>
+        </p:nvSpPr>
+        <p:spPr>
+          <a:xfrm>
+            <a:off x="685800" y="4343400"/>
+            <a:ext cx="5486400" cy="4114800"/>
+          </a:xfrm>
+          <a:prstGeom prst="rect">
+            <a:avLst/>
+          </a:prstGeom>
+        </p:spPr>
+        <p:txBody>
+          <a:bodyPr vert="horz" lIns="91440" tIns="45720" rIns="91440" bIns="45720" rtlCol="0">
+            <a:normAutofit/>
+          </a:bodyPr>
+          <a:lstStyle/>
+          <a:p>
+            <a:pPr lvl="0"/>
+            <a:r>
+              <a:rPr lang="en-US" smtClean="0"/>
+              <a:t>Click to edit Master text styles</a:t>
+            </a:r>
+          </a:p>
+          <a:p>
+            <a:pPr lvl="1"/>
+            <a:r>
+              <a:rPr lang="en-US" smtClean="0"/>
+              <a:t>Second level</a:t>
+            </a:r>
+          </a:p>
+          <a:p>
+            <a:pPr lvl="2"/>
+            <a:r>
+              <a:rPr lang="en-US" smtClean="0"/>
+              <a:t>Third level</a:t>
+            </a:r>
+          </a:p>
+          <a:p>
+            <a:pPr lvl="3"/>
+            <a:r>
+              <a:rPr lang="en-US" smtClean="0"/>
+              <a:t>Fourth level</a:t>
+            </a:r>
+          </a:p>
+          <a:p>
+            <a:pPr lvl="4"/>
+            <a:r>
+              <a:rPr lang="en-US" smtClean="0"/>
+              <a:t>Fifth level</a:t>
+            </a:r>
+            <a:endParaRPr lang="en-US"/>
+          </a:p>
+        </p:txBody>
+      </p:sp>
+      <p:sp>
+        <p:nvSpPr>
+          <p:cNvPr id="6" name="Footer Placeholder 5"/>
+          <p:cNvSpPr>
+            <a:spLocks noGrp="1"/>
+          </p:cNvSpPr>
+          <p:nvPr>
+            <p:ph type="ftr" sz="quarter" idx="4"/>
+          </p:nvPr>
+        </p:nvSpPr>
+        <p:spPr>
+          <a:xfrm>
+            <a:off x="0" y="8685213"/>
+            <a:ext cx="2971800" cy="457200"/>
+          </a:xfrm>
+          <a:prstGeom prst="rect">
+            <a:avLst/>
+          </a:prstGeom>
+        </p:spPr>
+        <p:txBody>
+          <a:bodyPr vert="horz" lIns="91440" tIns="45720" rIns="91440" bIns="45720" rtlCol="0" anchor="b"/>
+          <a:lstStyle>
+            <a:lvl1pPr algn="l">
+              <a:defRPr sz="1200"/>
+            </a:lvl1pPr>
+          </a:lstStyle>
+          <a:p>
+            <a:endParaRPr lang="en-US"/>
+          </a:p>
+        </p:txBody>
+      </p:sp>
+      <p:sp>
+        <p:nvSpPr>
+          <p:cNvPr id="7" name="Slide Number Placeholder 6"/>
+          <p:cNvSpPr>
+            <a:spLocks noGrp="1"/>
+          </p:cNvSpPr>
+          <p:nvPr>
+            <p:ph type="sldNum" sz="quarter" idx="5"/>
+          </p:nvPr>
+        </p:nvSpPr>
+        <p:spPr>
+          <a:xfrm>
+            <a:off x="3884613" y="8685213"/>
+            <a:ext cx="2971800" cy="457200"/>
+          </a:xfrm>
+          <a:prstGeom prst="rect">
+            <a:avLst/>
+          </a:prstGeom>
+        </p:spPr>
+        <p:txBody>
+          <a:bodyPr vert="horz" lIns="91440" tIns="45720" rIns="91440" bIns="45720" rtlCol="0" anchor="b"/>
+          <a:lstStyle>
+            <a:lvl1pPr algn="r">
+              <a:defRPr sz="1200"/>
+            </a:lvl1pPr>
+          </a:lstStyle>
+          <a:p>
+            <a:fld id="{5BCBB92E-F5E7-4260-9F2D-0DA3127B15AD}" type="slidenum">
+              <a:rPr lang="en-US" smtClean="0"/>
+              <a:t>‹#›</a:t>
+            </a:fld>
+            <a:endParaRPr lang="en-US"/>
+          </a:p>
+        </p:txBody>
+      </p:sp>
+    </p:spTree>
+  </p:cSld>
+  <p:clrMap bg1="lt1" tx1="dk1" bg2="lt2" tx2="dk2" accent1="accent1" accent2="accent2" accent3="accent3" accent4="accent4" accent5="accent5" accent6="accent6" hlink="hlink" folHlink="folHlink"/>
+  <p:notesStyle>
+    <a:lvl1pPr marL="0" algn="l" defTabSz="914400" rtl="0" eaLnBrk="1" latinLnBrk="0" hangingPunct="1">
+      <a:defRPr sz="1200" kern="1200">
+        <a:solidFill>
+          <a:schemeClr val="tx1"/>
+        </a:solidFill>
+        <a:latin typeface="+mn-lt"/>
+        <a:ea typeface="+mn-ea"/>
+        <a:cs typeface="+mn-cs"/>
+      </a:defRPr>
+    </a:lvl1pPr>
+    <a:lvl2pPr marL="457200" algn="l" defTabSz="914400" rtl="0" eaLnBrk="1" latinLnBrk="0" hangingPunct="1">
+      <a:defRPr sz="1200" kern="1200">
+        <a:solidFill>
+          <a:schemeClr val="tx1"/>
+        </a:solidFill>
+        <a:latin typeface="+mn-lt"/>
+        <a:ea typeface="+mn-ea"/>
+        <a:cs typeface="+mn-cs"/>
+      </a:defRPr>
+    </a:lvl2pPr>
+    <a:lvl3pPr marL="914400" algn="l" defTabSz="914400" rtl="0" eaLnBrk="1" latinLnBrk="0" hangingPunct="1">
+      <a:defRPr sz="1200" kern="1200">
+        <a:solidFill>
+          <a:schemeClr val="tx1"/>
+        </a:solidFill>
+        <a:latin typeface="+mn-lt"/>
+        <a:ea typeface="+mn-ea"/>
+        <a:cs typeface="+mn-cs"/>
+      </a:defRPr>
+    </a:lvl3pPr>
+    <a:lvl4pPr marL="1371600" algn="l" defTabSz="914400" rtl="0" eaLnBrk="1" latinLnBrk="0" hangingPunct="1">
+      <a:defRPr sz="1200" kern="1200">
+        <a:solidFill>
+          <a:schemeClr val="tx1"/>
+        </a:solidFill>
+        <a:latin typeface="+mn-lt"/>
+        <a:ea typeface="+mn-ea"/>
+        <a:cs typeface="+mn-cs"/>
+      </a:defRPr>
+    </a:lvl4pPr>
+    <a:lvl5pPr marL="1828800" algn="l" defTabSz="914400" rtl="0" eaLnBrk="1" latinLnBrk="0" hangingPunct="1">
+      <a:defRPr sz="1200" kern="1200">
+        <a:solidFill>
+          <a:schemeClr val="tx1"/>
+        </a:solidFill>
+        <a:latin typeface="+mn-lt"/>
+        <a:ea typeface="+mn-ea"/>
+        <a:cs typeface="+mn-cs"/>
+      </a:defRPr>
+    </a:lvl5pPr>
+    <a:lvl6pPr marL="2286000" algn="l" defTabSz="914400" rtl="0" eaLnBrk="1" latinLnBrk="0" hangingPunct="1">
+      <a:defRPr sz="1200" kern="1200">
+        <a:solidFill>
+          <a:schemeClr val="tx1"/>
+        </a:solidFill>
+        <a:latin typeface="+mn-lt"/>
+        <a:ea typeface="+mn-ea"/>
+        <a:cs typeface="+mn-cs"/>
+      </a:defRPr>
+    </a:lvl6pPr>
+    <a:lvl7pPr marL="2743200" algn="l" defTabSz="914400" rtl="0" eaLnBrk="1" latinLnBrk="0" hangingPunct="1">
+      <a:defRPr sz="1200" kern="1200">
+        <a:solidFill>
+          <a:schemeClr val="tx1"/>
+        </a:solidFill>
+        <a:latin typeface="+mn-lt"/>
+        <a:ea typeface="+mn-ea"/>
+        <a:cs typeface="+mn-cs"/>
+      </a:defRPr>
+    </a:lvl7pPr>
+    <a:lvl8pPr marL="3200400" algn="l" defTabSz="914400" rtl="0" eaLnBrk="1" latinLnBrk="0" hangingPunct="1">
+      <a:defRPr sz="1200" kern="1200">
+        <a:solidFill>
+          <a:schemeClr val="tx1"/>
+        </a:solidFill>
+        <a:latin typeface="+mn-lt"/>
+        <a:ea typeface="+mn-ea"/>
+        <a:cs typeface="+mn-cs"/>
+      </a:defRPr>
+    </a:lvl8pPr>
+    <a:lvl9pPr marL="3657600" algn="l" defTabSz="914400" rtl="0" eaLnBrk="1" latinLnBrk="0" hangingPunct="1">
+      <a:defRPr sz="1200" kern="1200">
+        <a:solidFill>
+          <a:schemeClr val="tx1"/>
+        </a:solidFill>
+        <a:latin typeface="+mn-lt"/>
+        <a:ea typeface="+mn-ea"/>
+        <a:cs typeface="+mn-cs"/>
+      </a:defRPr>
+    </a:lvl9pPr>
+  </p:notesStyle>
+</p:notesMaster>
+</file>
+
+<file path=ppt/notesSlides/notesSlide1.xml><?xml version="1.0" encoding="utf-8"?>
+<p:notes xmlns:a="http://schemas.openxmlformats.org/drawingml/2006/main" xmlns:r="http://schemas.openxmlformats.org/officeDocument/2006/relationships" xmlns:p="http://schemas.openxmlformats.org/presentationml/2006/main">
+  <p:cSld>
+    <p:spTree>
+      <p:nvGrpSpPr>
+        <p:cNvPr id="1" name=""/>
+        <p:cNvGrpSpPr/>
+        <p:nvPr/>
+      </p:nvGrpSpPr>
+      <p:grpSpPr>
+        <a:xfrm>
+          <a:off x="0" y="0"/>
+          <a:ext cx="0" cy="0"/>
+          <a:chOff x="0" y="0"/>
+          <a:chExt cx="0" cy="0"/>
+        </a:xfrm>
+      </p:grpSpPr>
+      <p:sp>
+        <p:nvSpPr>
+          <p:cNvPr id="2" name="Slide Image Placeholder 1"/>
+          <p:cNvSpPr>
+            <a:spLocks noGrp="1" noRot="1" noChangeAspect="1"/>
+          </p:cNvSpPr>
+          <p:nvPr>
+            <p:ph type="sldImg"/>
+          </p:nvPr>
+        </p:nvSpPr>
+        <p:spPr/>
+      </p:sp>
+      <p:sp>
+        <p:nvSpPr>
+          <p:cNvPr id="3" name="Notes Placeholder 2"/>
+          <p:cNvSpPr>
+            <a:spLocks noGrp="1"/>
+          </p:cNvSpPr>
+          <p:nvPr>
+            <p:ph type="body" idx="1"/>
+          </p:nvPr>
+        </p:nvSpPr>
+        <p:spPr/>
+        <p:txBody>
+          <a:bodyPr>
+            <a:normAutofit/>
+          </a:bodyPr>
+          <a:lstStyle/>
+          <a:p>
+            <a:endParaRPr lang="en-US" dirty="0"/>
+          </a:p>
+        </p:txBody>
+      </p:sp>
+      <p:sp>
+        <p:nvSpPr>
+          <p:cNvPr id="4" name="Slide Number Placeholder 3"/>
+          <p:cNvSpPr>
+            <a:spLocks noGrp="1"/>
+          </p:cNvSpPr>
+          <p:nvPr>
+            <p:ph type="sldNum" sz="quarter" idx="10"/>
+          </p:nvPr>
+        </p:nvSpPr>
+        <p:spPr/>
+        <p:txBody>
+          <a:bodyPr/>
+          <a:lstStyle/>
+          <a:p>
+            <a:fld id="{5BCBB92E-F5E7-4260-9F2D-0DA3127B15AD}" type="slidenum">
+              <a:rPr lang="en-US" smtClean="0"/>
+              <a:t>7</a:t>
+            </a:fld>
+            <a:endParaRPr lang="en-US"/>
+          </a:p>
+        </p:txBody>
+      </p:sp>
+    </p:spTree>
+  </p:cSld>
+  <p:clrMapOvr>
+    <a:masterClrMapping/>
+  </p:clrMapOvr>
+</p:notes>
+</file>
+
 <file path=ppt/slideLayouts/slideLayout1.xml><?xml version="1.0" encoding="utf-8"?>
 <p:sldLayout xmlns:a="http://schemas.openxmlformats.org/drawingml/2006/main" xmlns:r="http://schemas.openxmlformats.org/officeDocument/2006/relationships" xmlns:p="http://schemas.openxmlformats.org/presentationml/2006/main" showMasterSp="0" type="title" preserve="1">
   <p:cSld name="Title Slide">
@@ -6410,7 +6841,11 @@
             </a:r>
             <a:r>
               <a:rPr lang="en-US" dirty="0" smtClean="0"/>
-              <a:t>products worth the price?</a:t>
+              <a:t>products worth the </a:t>
+            </a:r>
+            <a:r>
+              <a:rPr lang="en-US" dirty="0" smtClean="0"/>
+              <a:t>price.</a:t>
             </a:r>
             <a:endParaRPr lang="en-US" dirty="0"/>
           </a:p>
@@ -6574,7 +7009,7 @@
           <p:nvPr/>
         </p:nvPicPr>
         <p:blipFill>
-          <a:blip r:embed="rId2" cstate="print"/>
+          <a:blip r:embed="rId3" cstate="print"/>
           <a:srcRect/>
           <a:stretch>
             <a:fillRect/>
@@ -6850,4 +7285,287 @@
   <a:objectDefaults/>
   <a:extraClrSchemeLst/>
 </a:theme>
+</file>
+
+<file path=ppt/theme/theme2.xml><?xml version="1.0" encoding="utf-8"?>
+<a:theme xmlns:a="http://schemas.openxmlformats.org/drawingml/2006/main" name="Office Theme">
+  <a:themeElements>
+    <a:clrScheme name="Office">
+      <a:dk1>
+        <a:sysClr val="windowText" lastClr="000000"/>
+      </a:dk1>
+      <a:lt1>
+        <a:sysClr val="window" lastClr="FFFFFF"/>
+      </a:lt1>
+      <a:dk2>
+        <a:srgbClr val="1F497D"/>
+      </a:dk2>
+      <a:lt2>
+        <a:srgbClr val="EEECE1"/>
+      </a:lt2>
+      <a:accent1>
+        <a:srgbClr val="4F81BD"/>
+      </a:accent1>
+      <a:accent2>
+        <a:srgbClr val="C0504D"/>
+      </a:accent2>
+      <a:accent3>
+        <a:srgbClr val="9BBB59"/>
+      </a:accent3>
+      <a:accent4>
+        <a:srgbClr val="8064A2"/>
+      </a:accent4>
+      <a:accent5>
+        <a:srgbClr val="4BACC6"/>
+      </a:accent5>
+      <a:accent6>
+        <a:srgbClr val="F79646"/>
+      </a:accent6>
+      <a:hlink>
+        <a:srgbClr val="0000FF"/>
+      </a:hlink>
+      <a:folHlink>
+        <a:srgbClr val="800080"/>
+      </a:folHlink>
+    </a:clrScheme>
+    <a:fontScheme name="Office">
+      <a:majorFont>
+        <a:latin typeface="Calibri"/>
+        <a:ea typeface=""/>
+        <a:cs typeface=""/>
+        <a:font script="Jpan" typeface="ＭＳ Ｐゴシック"/>
+        <a:font script="Hang" typeface="맑은 고딕"/>
+        <a:font script="Hans" typeface="宋体"/>
+        <a:font script="Hant" typeface="新細明體"/>
+        <a:font script="Arab" typeface="Times New Roman"/>
+        <a:font script="Hebr" typeface="Times New Roman"/>
+        <a:font script="Thai" typeface="Angsana New"/>
+        <a:font script="Ethi" typeface="Nyala"/>
+        <a:font script="Beng" typeface="Vrinda"/>
+        <a:font script="Gujr" typeface="Shruti"/>
+        <a:font script="Khmr" typeface="MoolBoran"/>
+        <a:font script="Knda" typeface="Tunga"/>
+        <a:font script="Guru" typeface="Raavi"/>
+        <a:font script="Cans" typeface="Euphemia"/>
+        <a:font script="Cher" typeface="Plantagenet Cherokee"/>
+        <a:font script="Yiii" typeface="Microsoft Yi Baiti"/>
+        <a:font script="Tibt" typeface="Microsoft Himalaya"/>
+        <a:font script="Thaa" typeface="MV Boli"/>
+        <a:font script="Deva" typeface="Mangal"/>
+        <a:font script="Telu" typeface="Gautami"/>
+        <a:font script="Taml" typeface="Latha"/>
+        <a:font script="Syrc" typeface="Estrangelo Edessa"/>
+        <a:font script="Orya" typeface="Kalinga"/>
+        <a:font script="Mlym" typeface="Kartika"/>
+        <a:font script="Laoo" typeface="DokChampa"/>
+        <a:font script="Sinh" typeface="Iskoola Pota"/>
+        <a:font script="Mong" typeface="Mongolian Baiti"/>
+        <a:font script="Viet" typeface="Times New Roman"/>
+        <a:font script="Uigh" typeface="Microsoft Uighur"/>
+      </a:majorFont>
+      <a:minorFont>
+        <a:latin typeface="Calibri"/>
+        <a:ea typeface=""/>
+        <a:cs typeface=""/>
+        <a:font script="Jpan" typeface="ＭＳ Ｐゴシック"/>
+        <a:font script="Hang" typeface="맑은 고딕"/>
+        <a:font script="Hans" typeface="宋体"/>
+        <a:font script="Hant" typeface="新細明體"/>
+        <a:font script="Arab" typeface="Arial"/>
+        <a:font script="Hebr" typeface="Arial"/>
+        <a:font script="Thai" typeface="Cordia New"/>
+        <a:font script="Ethi" typeface="Nyala"/>
+        <a:font script="Beng" typeface="Vrinda"/>
+        <a:font script="Gujr" typeface="Shruti"/>
+        <a:font script="Khmr" typeface="DaunPenh"/>
+        <a:font script="Knda" typeface="Tunga"/>
+        <a:font script="Guru" typeface="Raavi"/>
+        <a:font script="Cans" typeface="Euphemia"/>
+        <a:font script="Cher" typeface="Plantagenet Cherokee"/>
+        <a:font script="Yiii" typeface="Microsoft Yi Baiti"/>
+        <a:font script="Tibt" typeface="Microsoft Himalaya"/>
+        <a:font script="Thaa" typeface="MV Boli"/>
+        <a:font script="Deva" typeface="Mangal"/>
+        <a:font script="Telu" typeface="Gautami"/>
+        <a:font script="Taml" typeface="Latha"/>
+        <a:font script="Syrc" typeface="Estrangelo Edessa"/>
+        <a:font script="Orya" typeface="Kalinga"/>
+        <a:font script="Mlym" typeface="Kartika"/>
+        <a:font script="Laoo" typeface="DokChampa"/>
+        <a:font script="Sinh" typeface="Iskoola Pota"/>
+        <a:font script="Mong" typeface="Mongolian Baiti"/>
+        <a:font script="Viet" typeface="Arial"/>
+        <a:font script="Uigh" typeface="Microsoft Uighur"/>
+      </a:minorFont>
+    </a:fontScheme>
+    <a:fmtScheme name="Office">
+      <a:fillStyleLst>
+        <a:solidFill>
+          <a:schemeClr val="phClr"/>
+        </a:solidFill>
+        <a:gradFill rotWithShape="1">
+          <a:gsLst>
+            <a:gs pos="0">
+              <a:schemeClr val="phClr">
+                <a:tint val="50000"/>
+                <a:satMod val="300000"/>
+              </a:schemeClr>
+            </a:gs>
+            <a:gs pos="35000">
+              <a:schemeClr val="phClr">
+                <a:tint val="37000"/>
+                <a:satMod val="300000"/>
+              </a:schemeClr>
+            </a:gs>
+            <a:gs pos="100000">
+              <a:schemeClr val="phClr">
+                <a:tint val="15000"/>
+                <a:satMod val="350000"/>
+              </a:schemeClr>
+            </a:gs>
+          </a:gsLst>
+          <a:lin ang="16200000" scaled="1"/>
+        </a:gradFill>
+        <a:gradFill rotWithShape="1">
+          <a:gsLst>
+            <a:gs pos="0">
+              <a:schemeClr val="phClr">
+                <a:shade val="51000"/>
+                <a:satMod val="130000"/>
+              </a:schemeClr>
+            </a:gs>
+            <a:gs pos="80000">
+              <a:schemeClr val="phClr">
+                <a:shade val="93000"/>
+                <a:satMod val="130000"/>
+              </a:schemeClr>
+            </a:gs>
+            <a:gs pos="100000">
+              <a:schemeClr val="phClr">
+                <a:shade val="94000"/>
+                <a:satMod val="135000"/>
+              </a:schemeClr>
+            </a:gs>
+          </a:gsLst>
+          <a:lin ang="16200000" scaled="0"/>
+        </a:gradFill>
+      </a:fillStyleLst>
+      <a:lnStyleLst>
+        <a:ln w="9525" cap="flat" cmpd="sng" algn="ctr">
+          <a:solidFill>
+            <a:schemeClr val="phClr">
+              <a:shade val="95000"/>
+              <a:satMod val="105000"/>
+            </a:schemeClr>
+          </a:solidFill>
+          <a:prstDash val="solid"/>
+        </a:ln>
+        <a:ln w="25400" cap="flat" cmpd="sng" algn="ctr">
+          <a:solidFill>
+            <a:schemeClr val="phClr"/>
+          </a:solidFill>
+          <a:prstDash val="solid"/>
+        </a:ln>
+        <a:ln w="38100" cap="flat" cmpd="sng" algn="ctr">
+          <a:solidFill>
+            <a:schemeClr val="phClr"/>
+          </a:solidFill>
+          <a:prstDash val="solid"/>
+        </a:ln>
+      </a:lnStyleLst>
+      <a:effectStyleLst>
+        <a:effectStyle>
+          <a:effectLst>
+            <a:outerShdw blurRad="40000" dist="20000" dir="5400000" rotWithShape="0">
+              <a:srgbClr val="000000">
+                <a:alpha val="38000"/>
+              </a:srgbClr>
+            </a:outerShdw>
+          </a:effectLst>
+        </a:effectStyle>
+        <a:effectStyle>
+          <a:effectLst>
+            <a:outerShdw blurRad="40000" dist="23000" dir="5400000" rotWithShape="0">
+              <a:srgbClr val="000000">
+                <a:alpha val="35000"/>
+              </a:srgbClr>
+            </a:outerShdw>
+          </a:effectLst>
+        </a:effectStyle>
+        <a:effectStyle>
+          <a:effectLst>
+            <a:outerShdw blurRad="40000" dist="23000" dir="5400000" rotWithShape="0">
+              <a:srgbClr val="000000">
+                <a:alpha val="35000"/>
+              </a:srgbClr>
+            </a:outerShdw>
+          </a:effectLst>
+          <a:scene3d>
+            <a:camera prst="orthographicFront">
+              <a:rot lat="0" lon="0" rev="0"/>
+            </a:camera>
+            <a:lightRig rig="threePt" dir="t">
+              <a:rot lat="0" lon="0" rev="1200000"/>
+            </a:lightRig>
+          </a:scene3d>
+          <a:sp3d>
+            <a:bevelT w="63500" h="25400"/>
+          </a:sp3d>
+        </a:effectStyle>
+      </a:effectStyleLst>
+      <a:bgFillStyleLst>
+        <a:solidFill>
+          <a:schemeClr val="phClr"/>
+        </a:solidFill>
+        <a:gradFill rotWithShape="1">
+          <a:gsLst>
+            <a:gs pos="0">
+              <a:schemeClr val="phClr">
+                <a:tint val="40000"/>
+                <a:satMod val="350000"/>
+              </a:schemeClr>
+            </a:gs>
+            <a:gs pos="40000">
+              <a:schemeClr val="phClr">
+                <a:tint val="45000"/>
+                <a:shade val="99000"/>
+                <a:satMod val="350000"/>
+              </a:schemeClr>
+            </a:gs>
+            <a:gs pos="100000">
+              <a:schemeClr val="phClr">
+                <a:shade val="20000"/>
+                <a:satMod val="255000"/>
+              </a:schemeClr>
+            </a:gs>
+          </a:gsLst>
+          <a:path path="circle">
+            <a:fillToRect l="50000" t="-80000" r="50000" b="180000"/>
+          </a:path>
+        </a:gradFill>
+        <a:gradFill rotWithShape="1">
+          <a:gsLst>
+            <a:gs pos="0">
+              <a:schemeClr val="phClr">
+                <a:tint val="80000"/>
+                <a:satMod val="300000"/>
+              </a:schemeClr>
+            </a:gs>
+            <a:gs pos="100000">
+              <a:schemeClr val="phClr">
+                <a:shade val="30000"/>
+                <a:satMod val="200000"/>
+              </a:schemeClr>
+            </a:gs>
+          </a:gsLst>
+          <a:path path="circle">
+            <a:fillToRect l="50000" t="50000" r="50000" b="50000"/>
+          </a:path>
+        </a:gradFill>
+      </a:bgFillStyleLst>
+    </a:fmtScheme>
+  </a:themeElements>
+  <a:objectDefaults/>
+  <a:extraClrSchemeLst/>
+</a:theme>
 </file>
--- a/Project-PPT.pptx
+++ b/Project-PPT.pptx
@@ -13,8 +13,8 @@
     <p:sldId id="258" r:id="rId4"/>
     <p:sldId id="259" r:id="rId5"/>
     <p:sldId id="260" r:id="rId6"/>
-    <p:sldId id="261" r:id="rId7"/>
-    <p:sldId id="262" r:id="rId8"/>
+    <p:sldId id="263" r:id="rId7"/>
+    <p:sldId id="261" r:id="rId8"/>
   </p:sldIdLst>
   <p:sldSz cx="9144000" cy="6858000" type="screen4x3"/>
   <p:notesSz cx="6858000" cy="9144000"/>
@@ -198,6 +198,7 @@
           <a:p>
             <a:fld id="{8D90036C-4D6C-471F-BA30-E9D147C79E67}" type="datetimeFigureOut">
               <a:rPr lang="en-US" smtClean="0"/>
+              <a:pPr/>
               <a:t>12/19/2021</a:t>
             </a:fld>
             <a:endParaRPr lang="en-US"/>
@@ -359,6 +360,7 @@
           <a:p>
             <a:fld id="{5BCBB92E-F5E7-4260-9F2D-0DA3127B15AD}" type="slidenum">
               <a:rPr lang="en-US" smtClean="0"/>
+              <a:pPr/>
               <a:t>‹#›</a:t>
             </a:fld>
             <a:endParaRPr lang="en-US"/>
@@ -530,7 +532,8 @@
           <a:p>
             <a:fld id="{5BCBB92E-F5E7-4260-9F2D-0DA3127B15AD}" type="slidenum">
               <a:rPr lang="en-US" smtClean="0"/>
-              <a:t>7</a:t>
+              <a:pPr/>
+              <a:t>2</a:t>
             </a:fld>
             <a:endParaRPr lang="en-US"/>
           </a:p>
@@ -6480,6 +6483,20 @@
 <file path=ppt/slides/slide1.xml><?xml version="1.0" encoding="utf-8"?>
 <p:sld xmlns:a="http://schemas.openxmlformats.org/drawingml/2006/main" xmlns:r="http://schemas.openxmlformats.org/officeDocument/2006/relationships" xmlns:p="http://schemas.openxmlformats.org/presentationml/2006/main">
   <p:cSld>
+    <p:bg>
+      <p:bgPr>
+        <a:blipFill dpi="0" rotWithShape="1">
+          <a:blip r:embed="rId2" cstate="print">
+            <a:lum/>
+          </a:blip>
+          <a:srcRect/>
+          <a:stretch>
+            <a:fillRect l="-30000" r="-30000"/>
+          </a:stretch>
+        </a:blipFill>
+        <a:effectLst/>
+      </p:bgPr>
+    </p:bg>
     <p:spTree>
       <p:nvGrpSpPr>
         <p:cNvPr id="1" name=""/>
@@ -6501,31 +6518,49 @@
             <a:spLocks noGrp="1"/>
           </p:cNvSpPr>
           <p:nvPr>
-            <p:ph type="ctrTitle"/>
+            <p:ph type="title" idx="4294967295"/>
           </p:nvPr>
         </p:nvSpPr>
         <p:spPr>
-          <a:xfrm>
-            <a:off x="685800" y="1371600"/>
-            <a:ext cx="7772400" cy="2971800"/>
-          </a:xfrm>
-        </p:spPr>
-        <p:txBody>
-          <a:bodyPr/>
-          <a:lstStyle/>
-          <a:p>
-            <a:r>
-              <a:rPr lang="en-US" b="1" dirty="0" smtClean="0"/>
+          <a:xfrm rot="1420883">
+            <a:off x="-91119" y="4353831"/>
+            <a:ext cx="6701771" cy="951321"/>
+          </a:xfrm>
+        </p:spPr>
+        <p:txBody>
+          <a:bodyPr>
+            <a:normAutofit fontScale="90000"/>
+          </a:bodyPr>
+          <a:lstStyle/>
+          <a:p>
+            <a:r>
+              <a:rPr lang="en-US" b="1" dirty="0" smtClean="0">
+                <a:solidFill>
+                  <a:srgbClr val="C00000"/>
+                </a:solidFill>
+              </a:rPr>
               <a:t>EDA OF PRODUCTS</a:t>
             </a:r>
             <a:br>
-              <a:rPr lang="en-US" b="1" dirty="0" smtClean="0"/>
+              <a:rPr lang="en-US" b="1" dirty="0" smtClean="0">
+                <a:solidFill>
+                  <a:srgbClr val="C00000"/>
+                </a:solidFill>
+              </a:rPr>
             </a:br>
             <a:r>
-              <a:rPr lang="en-US" b="1" dirty="0" smtClean="0"/>
+              <a:rPr lang="en-US" b="1" dirty="0" smtClean="0">
+                <a:solidFill>
+                  <a:srgbClr val="C00000"/>
+                </a:solidFill>
+              </a:rPr>
               <a:t>SOLD BY AMAZON</a:t>
             </a:r>
-            <a:endParaRPr lang="en-US" b="1" dirty="0"/>
+            <a:endParaRPr lang="en-US" b="1" dirty="0">
+              <a:solidFill>
+                <a:srgbClr val="C00000"/>
+              </a:solidFill>
+            </a:endParaRPr>
           </a:p>
         </p:txBody>
       </p:sp>
@@ -6564,24 +6599,29 @@
             <p:ph type="title"/>
           </p:nvPr>
         </p:nvSpPr>
-        <p:spPr/>
+        <p:spPr>
+          <a:xfrm>
+            <a:off x="2971800" y="5105400"/>
+            <a:ext cx="5867400" cy="1219200"/>
+          </a:xfrm>
+        </p:spPr>
         <p:txBody>
           <a:bodyPr/>
           <a:lstStyle/>
           <a:p>
             <a:r>
-              <a:rPr lang="en-US" dirty="0" smtClean="0"/>
-              <a:t>The </a:t>
-            </a:r>
-            <a:r>
-              <a:rPr lang="en-US" dirty="0" smtClean="0"/>
-              <a:t>most popular manufacturer of </a:t>
-            </a:r>
-            <a:r>
-              <a:rPr lang="en-US" dirty="0" smtClean="0"/>
-              <a:t>Amazon</a:t>
-            </a:r>
-            <a:endParaRPr lang="en-US" dirty="0"/>
+              <a:rPr lang="en-US" dirty="0" smtClean="0">
+                <a:solidFill>
+                  <a:srgbClr val="C00000"/>
+                </a:solidFill>
+              </a:rPr>
+              <a:t>The most popular manufacturer of Amazon</a:t>
+            </a:r>
+            <a:endParaRPr lang="en-US" dirty="0">
+              <a:solidFill>
+                <a:srgbClr val="C00000"/>
+              </a:solidFill>
+            </a:endParaRPr>
           </a:p>
         </p:txBody>
       </p:sp>
@@ -6592,21 +6632,17 @@
             <a:picLocks noGrp="1" noChangeAspect="1" noChangeArrowheads="1"/>
           </p:cNvPicPr>
           <p:nvPr>
-            <p:ph sz="quarter" idx="1"/>
+            <p:ph type="pic" idx="1"/>
           </p:nvPr>
         </p:nvPicPr>
         <p:blipFill>
-          <a:blip r:embed="rId2" cstate="print"/>
-          <a:srcRect/>
+          <a:blip r:embed="rId3" cstate="print"/>
+          <a:srcRect t="5158" b="5158"/>
           <a:stretch>
             <a:fillRect/>
           </a:stretch>
         </p:blipFill>
         <p:spPr bwMode="auto">
-          <a:xfrm>
-            <a:off x="533400" y="1524000"/>
-            <a:ext cx="8382000" cy="4876800"/>
-          </a:xfrm>
           <a:prstGeom prst="rect">
             <a:avLst/>
           </a:prstGeom>
@@ -6619,6 +6655,43 @@
           </a:ln>
         </p:spPr>
       </p:pic>
+      <p:sp>
+        <p:nvSpPr>
+          <p:cNvPr id="4" name="Text Placeholder 3"/>
+          <p:cNvSpPr>
+            <a:spLocks noGrp="1"/>
+          </p:cNvSpPr>
+          <p:nvPr>
+            <p:ph type="body" sz="half" idx="2"/>
+          </p:nvPr>
+        </p:nvSpPr>
+        <p:spPr/>
+        <p:txBody>
+          <a:bodyPr/>
+          <a:lstStyle/>
+          <a:p>
+            <a:r>
+              <a:rPr lang="en-US" dirty="0" smtClean="0"/>
+              <a:t>This data shows the most  popular manufacturers in Amazon.</a:t>
+            </a:r>
+          </a:p>
+          <a:p>
+            <a:r>
+              <a:rPr lang="en-US" dirty="0" smtClean="0"/>
+              <a:t>Oxford is most popular manufacturer and followed by  </a:t>
+            </a:r>
+            <a:r>
+              <a:rPr lang="en-US" dirty="0" err="1" smtClean="0"/>
+              <a:t>hornby</a:t>
+            </a:r>
+            <a:r>
+              <a:rPr lang="en-US" dirty="0" smtClean="0"/>
+              <a:t>  TRI-ANG  is least popular manufacturer.</a:t>
+            </a:r>
+            <a:endParaRPr lang="en-US" dirty="0"/>
+          </a:p>
+        </p:txBody>
+      </p:sp>
     </p:spTree>
   </p:cSld>
   <p:clrMapOvr>
@@ -6660,14 +6733,18 @@
           <a:lstStyle/>
           <a:p>
             <a:r>
-              <a:rPr lang="en-US" dirty="0" smtClean="0"/>
-              <a:t>The </a:t>
-            </a:r>
-            <a:r>
-              <a:rPr lang="en-US" dirty="0" smtClean="0"/>
-              <a:t>average prices of Amazon</a:t>
-            </a:r>
-            <a:endParaRPr lang="en-US" dirty="0"/>
+              <a:rPr lang="en-US" dirty="0" smtClean="0">
+                <a:solidFill>
+                  <a:srgbClr val="C00000"/>
+                </a:solidFill>
+              </a:rPr>
+              <a:t>The average prices of Amazon</a:t>
+            </a:r>
+            <a:endParaRPr lang="en-US" dirty="0">
+              <a:solidFill>
+                <a:srgbClr val="C00000"/>
+              </a:solidFill>
+            </a:endParaRPr>
           </a:p>
         </p:txBody>
       </p:sp>
@@ -6678,21 +6755,17 @@
             <a:picLocks noGrp="1" noChangeAspect="1" noChangeArrowheads="1"/>
           </p:cNvPicPr>
           <p:nvPr>
-            <p:ph sz="quarter" idx="1"/>
+            <p:ph type="pic" idx="1"/>
           </p:nvPr>
         </p:nvPicPr>
         <p:blipFill>
           <a:blip r:embed="rId2" cstate="print"/>
-          <a:srcRect/>
+          <a:srcRect l="9382" r="9382"/>
           <a:stretch>
             <a:fillRect/>
           </a:stretch>
         </p:blipFill>
         <p:spPr bwMode="auto">
-          <a:xfrm>
-            <a:off x="304800" y="1676400"/>
-            <a:ext cx="8381999" cy="4648200"/>
-          </a:xfrm>
           <a:prstGeom prst="rect">
             <a:avLst/>
           </a:prstGeom>
@@ -6705,6 +6778,35 @@
           </a:ln>
         </p:spPr>
       </p:pic>
+      <p:sp>
+        <p:nvSpPr>
+          <p:cNvPr id="5" name="Text Placeholder 4"/>
+          <p:cNvSpPr>
+            <a:spLocks noGrp="1"/>
+          </p:cNvSpPr>
+          <p:nvPr>
+            <p:ph type="body" sz="half" idx="2"/>
+          </p:nvPr>
+        </p:nvSpPr>
+        <p:spPr/>
+        <p:txBody>
+          <a:bodyPr/>
+          <a:lstStyle/>
+          <a:p>
+            <a:r>
+              <a:rPr lang="en-US" dirty="0" smtClean="0"/>
+              <a:t>This  graph  indicates the  average prices of Amazon which is between </a:t>
+            </a:r>
+          </a:p>
+          <a:p>
+            <a:r>
+              <a:rPr lang="en-US" dirty="0" smtClean="0"/>
+              <a:t> $1  to  $ 24 . </a:t>
+            </a:r>
+            <a:endParaRPr lang="en-US" dirty="0"/>
+          </a:p>
+        </p:txBody>
+      </p:sp>
     </p:spTree>
   </p:cSld>
   <p:clrMapOvr>
@@ -6747,17 +6849,21 @@
           <a:p>
             <a:r>
               <a:rPr lang="en-US" dirty="0" smtClean="0"/>
-              <a:t> Rating </a:t>
-            </a:r>
-            <a:r>
-              <a:rPr lang="en-US" dirty="0" smtClean="0"/>
-              <a:t>of 5 </a:t>
-            </a:r>
-            <a:r>
-              <a:rPr lang="en-US" dirty="0" smtClean="0"/>
-              <a:t>stars for products</a:t>
-            </a:r>
-            <a:endParaRPr lang="en-US" dirty="0"/>
+              <a:t> </a:t>
+            </a:r>
+            <a:r>
+              <a:rPr lang="en-US" dirty="0" smtClean="0">
+                <a:solidFill>
+                  <a:srgbClr val="C00000"/>
+                </a:solidFill>
+              </a:rPr>
+              <a:t>Rating of 5 stars for products</a:t>
+            </a:r>
+            <a:endParaRPr lang="en-US" dirty="0">
+              <a:solidFill>
+                <a:srgbClr val="C00000"/>
+              </a:solidFill>
+            </a:endParaRPr>
           </a:p>
         </p:txBody>
       </p:sp>
@@ -6768,21 +6874,17 @@
             <a:picLocks noGrp="1" noChangeAspect="1" noChangeArrowheads="1"/>
           </p:cNvPicPr>
           <p:nvPr>
-            <p:ph sz="quarter" idx="1"/>
+            <p:ph type="pic" idx="1"/>
           </p:nvPr>
         </p:nvPicPr>
         <p:blipFill>
           <a:blip r:embed="rId2" cstate="print"/>
-          <a:srcRect/>
+          <a:srcRect t="6013" b="6013"/>
           <a:stretch>
             <a:fillRect/>
           </a:stretch>
         </p:blipFill>
         <p:spPr bwMode="auto">
-          <a:xfrm>
-            <a:off x="381000" y="1541462"/>
-            <a:ext cx="8381999" cy="4859338"/>
-          </a:xfrm>
           <a:prstGeom prst="rect">
             <a:avLst/>
           </a:prstGeom>
@@ -6795,6 +6897,36 @@
           </a:ln>
         </p:spPr>
       </p:pic>
+      <p:sp>
+        <p:nvSpPr>
+          <p:cNvPr id="4" name="Text Placeholder 3"/>
+          <p:cNvSpPr>
+            <a:spLocks noGrp="1"/>
+          </p:cNvSpPr>
+          <p:nvPr>
+            <p:ph type="body" sz="half" idx="2"/>
+          </p:nvPr>
+        </p:nvSpPr>
+        <p:spPr/>
+        <p:txBody>
+          <a:bodyPr/>
+          <a:lstStyle/>
+          <a:p>
+            <a:r>
+              <a:rPr lang="en-US" dirty="0" smtClean="0"/>
+              <a:t>This  graph indicates the rating of Amazon’s products, out of which most received 5.0 stars.</a:t>
+            </a:r>
+            <a:br>
+              <a:rPr lang="en-US" dirty="0" smtClean="0"/>
+            </a:br>
+            <a:r>
+              <a:rPr lang="en-US" dirty="0" smtClean="0"/>
+              <a:t>However, there are some products which received a rating of 4.0 stars.</a:t>
+            </a:r>
+            <a:endParaRPr lang="en-US" dirty="0"/>
+          </a:p>
+        </p:txBody>
+      </p:sp>
     </p:spTree>
   </p:cSld>
   <p:clrMapOvr>
@@ -6836,18 +6968,18 @@
           <a:lstStyle/>
           <a:p>
             <a:r>
-              <a:rPr lang="en-US" dirty="0" smtClean="0"/>
-              <a:t>Expensive </a:t>
-            </a:r>
-            <a:r>
-              <a:rPr lang="en-US" dirty="0" smtClean="0"/>
-              <a:t>products worth the </a:t>
-            </a:r>
-            <a:r>
-              <a:rPr lang="en-US" dirty="0" smtClean="0"/>
-              <a:t>price.</a:t>
-            </a:r>
-            <a:endParaRPr lang="en-US" dirty="0"/>
+              <a:rPr lang="en-US" dirty="0" smtClean="0">
+                <a:solidFill>
+                  <a:srgbClr val="C00000"/>
+                </a:solidFill>
+              </a:rPr>
+              <a:t>Expensive products worth the price.</a:t>
+            </a:r>
+            <a:endParaRPr lang="en-US" dirty="0">
+              <a:solidFill>
+                <a:srgbClr val="C00000"/>
+              </a:solidFill>
+            </a:endParaRPr>
           </a:p>
         </p:txBody>
       </p:sp>
@@ -6858,21 +6990,17 @@
             <a:picLocks noGrp="1" noChangeAspect="1" noChangeArrowheads="1"/>
           </p:cNvPicPr>
           <p:nvPr>
-            <p:ph sz="quarter" idx="1"/>
+            <p:ph type="pic" idx="1"/>
           </p:nvPr>
         </p:nvPicPr>
         <p:blipFill>
           <a:blip r:embed="rId2" cstate="print"/>
-          <a:srcRect/>
+          <a:srcRect l="9375" r="9375"/>
           <a:stretch>
             <a:fillRect/>
           </a:stretch>
         </p:blipFill>
         <p:spPr bwMode="auto">
-          <a:xfrm>
-            <a:off x="381000" y="1828800"/>
-            <a:ext cx="8077200" cy="4419600"/>
-          </a:xfrm>
           <a:prstGeom prst="rect">
             <a:avLst/>
           </a:prstGeom>
@@ -6885,6 +7013,25 @@
           </a:ln>
         </p:spPr>
       </p:pic>
+      <p:sp>
+        <p:nvSpPr>
+          <p:cNvPr id="4" name="Text Placeholder 3"/>
+          <p:cNvSpPr>
+            <a:spLocks noGrp="1"/>
+          </p:cNvSpPr>
+          <p:nvPr>
+            <p:ph type="body" sz="half" idx="2"/>
+          </p:nvPr>
+        </p:nvSpPr>
+        <p:spPr/>
+        <p:txBody>
+          <a:bodyPr/>
+          <a:lstStyle/>
+          <a:p>
+            <a:endParaRPr lang="en-US"/>
+          </a:p>
+        </p:txBody>
+      </p:sp>
     </p:spTree>
   </p:cSld>
   <p:clrMapOvr>
@@ -6926,55 +7073,64 @@
           <a:lstStyle/>
           <a:p>
             <a:r>
-              <a:rPr lang="en-US" dirty="0" smtClean="0"/>
-              <a:t>Questions </a:t>
-            </a:r>
-            <a:r>
-              <a:rPr lang="en-US" dirty="0" smtClean="0"/>
-              <a:t>are generally </a:t>
-            </a:r>
-            <a:r>
-              <a:rPr lang="en-US" dirty="0" smtClean="0"/>
-              <a:t>answered</a:t>
-            </a:r>
-            <a:endParaRPr lang="en-US" dirty="0"/>
+              <a:rPr lang="en-US" dirty="0" smtClean="0">
+                <a:solidFill>
+                  <a:srgbClr val="C00000"/>
+                </a:solidFill>
+              </a:rPr>
+              <a:t>Questions are generally answered</a:t>
+            </a:r>
+            <a:endParaRPr lang="en-US" dirty="0">
+              <a:solidFill>
+                <a:srgbClr val="C00000"/>
+              </a:solidFill>
+            </a:endParaRPr>
           </a:p>
         </p:txBody>
       </p:sp>
       <p:pic>
         <p:nvPicPr>
-          <p:cNvPr id="5123" name="Picture 3"/>
+          <p:cNvPr id="1026" name="Picture 2" descr="E:\Charts, my mom ignores my work and doesn;t give me credit\answeres.PNG"/>
           <p:cNvPicPr>
             <a:picLocks noGrp="1" noChangeAspect="1" noChangeArrowheads="1"/>
           </p:cNvPicPr>
           <p:nvPr>
-            <p:ph sz="quarter" idx="1"/>
+            <p:ph type="pic" idx="1"/>
           </p:nvPr>
         </p:nvPicPr>
         <p:blipFill>
           <a:blip r:embed="rId2" cstate="print"/>
-          <a:srcRect/>
+          <a:srcRect l="6157" r="6157"/>
           <a:stretch>
             <a:fillRect/>
           </a:stretch>
         </p:blipFill>
         <p:spPr bwMode="auto">
-          <a:xfrm>
-            <a:off x="432984" y="1527175"/>
-            <a:ext cx="8241520" cy="4572000"/>
-          </a:xfrm>
           <a:prstGeom prst="rect">
             <a:avLst/>
           </a:prstGeom>
           <a:noFill/>
-          <a:ln w="9525">
-            <a:noFill/>
-            <a:miter lim="800000"/>
-            <a:headEnd/>
-            <a:tailEnd/>
-          </a:ln>
         </p:spPr>
       </p:pic>
+      <p:sp>
+        <p:nvSpPr>
+          <p:cNvPr id="5" name="Text Placeholder 4"/>
+          <p:cNvSpPr>
+            <a:spLocks noGrp="1"/>
+          </p:cNvSpPr>
+          <p:nvPr>
+            <p:ph type="body" sz="half" idx="2"/>
+          </p:nvPr>
+        </p:nvSpPr>
+        <p:spPr/>
+        <p:txBody>
+          <a:bodyPr/>
+          <a:lstStyle/>
+          <a:p>
+            <a:endParaRPr lang="en-US"/>
+          </a:p>
+        </p:txBody>
+      </p:sp>
     </p:spTree>
   </p:cSld>
   <p:clrMapOvr>
@@ -7000,38 +7156,74 @@
           <a:chExt cx="0" cy="0"/>
         </a:xfrm>
       </p:grpSpPr>
+      <p:sp>
+        <p:nvSpPr>
+          <p:cNvPr id="2" name="Title 1"/>
+          <p:cNvSpPr>
+            <a:spLocks noGrp="1"/>
+          </p:cNvSpPr>
+          <p:nvPr>
+            <p:ph type="title"/>
+          </p:nvPr>
+        </p:nvSpPr>
+        <p:spPr/>
+        <p:txBody>
+          <a:bodyPr>
+            <a:normAutofit/>
+          </a:bodyPr>
+          <a:lstStyle/>
+          <a:p>
+            <a:r>
+              <a:rPr lang="en-US" dirty="0" smtClean="0"/>
+              <a:t>The Relation between Brands and other values</a:t>
+            </a:r>
+            <a:endParaRPr lang="en-US" dirty="0"/>
+          </a:p>
+        </p:txBody>
+      </p:sp>
       <p:pic>
         <p:nvPicPr>
-          <p:cNvPr id="6146" name="Picture 2"/>
+          <p:cNvPr id="2050" name="Picture 2" descr="E:\Charts, my mom ignores my work and doesn;t give me credit\pair plot, i generally feel sad when my mom doesn't give me credit because i created the full eda section of her project, i want advise.PNG"/>
           <p:cNvPicPr>
-            <a:picLocks noChangeAspect="1" noChangeArrowheads="1"/>
+            <a:picLocks noGrp="1" noChangeAspect="1" noChangeArrowheads="1"/>
           </p:cNvPicPr>
-          <p:nvPr/>
+          <p:nvPr>
+            <p:ph type="pic" idx="1"/>
+          </p:nvPr>
         </p:nvPicPr>
         <p:blipFill>
-          <a:blip r:embed="rId3" cstate="print"/>
-          <a:srcRect/>
+          <a:blip r:embed="rId2" cstate="print"/>
+          <a:srcRect t="3806" b="3806"/>
           <a:stretch>
             <a:fillRect/>
           </a:stretch>
         </p:blipFill>
         <p:spPr bwMode="auto">
-          <a:xfrm>
-            <a:off x="0" y="0"/>
-            <a:ext cx="9144000" cy="6858000"/>
-          </a:xfrm>
           <a:prstGeom prst="rect">
             <a:avLst/>
           </a:prstGeom>
           <a:noFill/>
-          <a:ln w="9525">
-            <a:noFill/>
-            <a:miter lim="800000"/>
-            <a:headEnd/>
-            <a:tailEnd/>
-          </a:ln>
         </p:spPr>
       </p:pic>
+      <p:sp>
+        <p:nvSpPr>
+          <p:cNvPr id="6" name="Text Placeholder 5"/>
+          <p:cNvSpPr>
+            <a:spLocks noGrp="1"/>
+          </p:cNvSpPr>
+          <p:nvPr>
+            <p:ph type="body" sz="half" idx="2"/>
+          </p:nvPr>
+        </p:nvSpPr>
+        <p:spPr/>
+        <p:txBody>
+          <a:bodyPr/>
+          <a:lstStyle/>
+          <a:p>
+            <a:endParaRPr lang="en-US"/>
+          </a:p>
+        </p:txBody>
+      </p:sp>
     </p:spTree>
   </p:cSld>
   <p:clrMapOvr>

--- a/Project-PPT.pptx
+++ b/Project-PPT.pptx
@@ -199,7 +199,7 @@
             <a:fld id="{8D90036C-4D6C-471F-BA30-E9D147C79E67}" type="datetimeFigureOut">
               <a:rPr lang="en-US" smtClean="0"/>
               <a:pPr/>
-              <a:t>12/19/2021</a:t>
+              <a:t>12/20/2021</a:t>
             </a:fld>
             <a:endParaRPr lang="en-US"/>
           </a:p>
@@ -828,7 +828,7 @@
             <a:fld id="{1D8BD707-D9CF-40AE-B4C6-C98DA3205C09}" type="datetimeFigureOut">
               <a:rPr lang="en-US" smtClean="0"/>
               <a:pPr/>
-              <a:t>12/19/2021</a:t>
+              <a:t>12/20/2021</a:t>
             </a:fld>
             <a:endParaRPr lang="en-US"/>
           </a:p>
@@ -1223,7 +1223,7 @@
             <a:fld id="{1D8BD707-D9CF-40AE-B4C6-C98DA3205C09}" type="datetimeFigureOut">
               <a:rPr lang="en-US" smtClean="0"/>
               <a:pPr/>
-              <a:t>12/19/2021</a:t>
+              <a:t>12/20/2021</a:t>
             </a:fld>
             <a:endParaRPr lang="en-US"/>
           </a:p>
@@ -1758,7 +1758,7 @@
             <a:fld id="{1D8BD707-D9CF-40AE-B4C6-C98DA3205C09}" type="datetimeFigureOut">
               <a:rPr lang="en-US" smtClean="0"/>
               <a:pPr/>
-              <a:t>12/19/2021</a:t>
+              <a:t>12/20/2021</a:t>
             </a:fld>
             <a:endParaRPr lang="en-US"/>
           </a:p>
@@ -1892,7 +1892,7 @@
             <a:fld id="{1D8BD707-D9CF-40AE-B4C6-C98DA3205C09}" type="datetimeFigureOut">
               <a:rPr lang="en-US" smtClean="0"/>
               <a:pPr/>
-              <a:t>12/19/2021</a:t>
+              <a:t>12/20/2021</a:t>
             </a:fld>
             <a:endParaRPr lang="en-US"/>
           </a:p>
@@ -2437,7 +2437,7 @@
             <a:fld id="{1D8BD707-D9CF-40AE-B4C6-C98DA3205C09}" type="datetimeFigureOut">
               <a:rPr lang="en-US" smtClean="0"/>
               <a:pPr/>
-              <a:t>12/19/2021</a:t>
+              <a:t>12/20/2021</a:t>
             </a:fld>
             <a:endParaRPr lang="en-US"/>
           </a:p>
@@ -2734,7 +2734,7 @@
             <a:fld id="{1D8BD707-D9CF-40AE-B4C6-C98DA3205C09}" type="datetimeFigureOut">
               <a:rPr lang="en-US" smtClean="0"/>
               <a:pPr/>
-              <a:t>12/19/2021</a:t>
+              <a:t>12/20/2021</a:t>
             </a:fld>
             <a:endParaRPr lang="en-US"/>
           </a:p>
@@ -3395,7 +3395,7 @@
             <a:fld id="{1D8BD707-D9CF-40AE-B4C6-C98DA3205C09}" type="datetimeFigureOut">
               <a:rPr lang="en-US" smtClean="0"/>
               <a:pPr/>
-              <a:t>12/19/2021</a:t>
+              <a:t>12/20/2021</a:t>
             </a:fld>
             <a:endParaRPr lang="en-US"/>
           </a:p>
@@ -3833,7 +3833,7 @@
             <a:fld id="{1D8BD707-D9CF-40AE-B4C6-C98DA3205C09}" type="datetimeFigureOut">
               <a:rPr lang="en-US" smtClean="0"/>
               <a:pPr/>
-              <a:t>12/19/2021</a:t>
+              <a:t>12/20/2021</a:t>
             </a:fld>
             <a:endParaRPr lang="en-US"/>
           </a:p>
@@ -4148,7 +4148,7 @@
             <a:fld id="{1D8BD707-D9CF-40AE-B4C6-C98DA3205C09}" type="datetimeFigureOut">
               <a:rPr lang="en-US" smtClean="0"/>
               <a:pPr/>
-              <a:t>12/19/2021</a:t>
+              <a:t>12/20/2021</a:t>
             </a:fld>
             <a:endParaRPr lang="en-US"/>
           </a:p>
@@ -4883,7 +4883,7 @@
             <a:fld id="{1D8BD707-D9CF-40AE-B4C6-C98DA3205C09}" type="datetimeFigureOut">
               <a:rPr lang="en-US" smtClean="0"/>
               <a:pPr/>
-              <a:t>12/19/2021</a:t>
+              <a:t>12/20/2021</a:t>
             </a:fld>
             <a:endParaRPr lang="en-US"/>
           </a:p>
@@ -5549,7 +5549,7 @@
             <a:fld id="{1D8BD707-D9CF-40AE-B4C6-C98DA3205C09}" type="datetimeFigureOut">
               <a:rPr lang="en-US" smtClean="0"/>
               <a:pPr/>
-              <a:t>12/19/2021</a:t>
+              <a:t>12/20/2021</a:t>
             </a:fld>
             <a:endParaRPr lang="en-US"/>
           </a:p>
@@ -5823,7 +5823,7 @@
             <a:fld id="{1D8BD707-D9CF-40AE-B4C6-C98DA3205C09}" type="datetimeFigureOut">
               <a:rPr lang="en-US" smtClean="0"/>
               <a:pPr/>
-              <a:t>12/19/2021</a:t>
+              <a:t>12/20/2021</a:t>
             </a:fld>
             <a:endParaRPr lang="en-US"/>
           </a:p>
@@ -6569,6 +6569,13 @@
   <p:clrMapOvr>
     <a:masterClrMapping/>
   </p:clrMapOvr>
+  <p:timing>
+    <p:tnLst>
+      <p:par>
+        <p:cTn id="1" dur="indefinite" restart="never" nodeType="tmRoot"/>
+      </p:par>
+    </p:tnLst>
+  </p:timing>
 </p:sld>
 </file>
 
@@ -6615,7 +6622,23 @@
                   <a:srgbClr val="C00000"/>
                 </a:solidFill>
               </a:rPr>
-              <a:t>The most popular manufacturer of Amazon</a:t>
+              <a:t>The most popular </a:t>
+            </a:r>
+            <a:r>
+              <a:rPr lang="en-US" dirty="0" smtClean="0">
+                <a:solidFill>
+                  <a:srgbClr val="C00000"/>
+                </a:solidFill>
+              </a:rPr>
+              <a:t>manufacturers </a:t>
+            </a:r>
+            <a:r>
+              <a:rPr lang="en-US" dirty="0" smtClean="0">
+                <a:solidFill>
+                  <a:srgbClr val="C00000"/>
+                </a:solidFill>
+              </a:rPr>
+              <a:t>of Amazon</a:t>
             </a:r>
             <a:endParaRPr lang="en-US" dirty="0">
               <a:solidFill>
@@ -6672,7 +6695,27 @@
           <a:p>
             <a:r>
               <a:rPr lang="en-US" dirty="0" smtClean="0"/>
-              <a:t>This data shows the most  popular manufacturers in Amazon.</a:t>
+              <a:t>This data shows the most </a:t>
+            </a:r>
+            <a:r>
+              <a:rPr lang="en-US" dirty="0" smtClean="0"/>
+              <a:t>popular </a:t>
+            </a:r>
+            <a:r>
+              <a:rPr lang="en-US" dirty="0" smtClean="0"/>
+              <a:t>manufacturers </a:t>
+            </a:r>
+            <a:r>
+              <a:rPr lang="en-US" dirty="0" smtClean="0"/>
+              <a:t>of </a:t>
+            </a:r>
+            <a:r>
+              <a:rPr lang="en-US" dirty="0" smtClean="0"/>
+              <a:t>Amazon</a:t>
+            </a:r>
+            <a:r>
+              <a:rPr lang="en-US" dirty="0" smtClean="0"/>
+              <a:t>.</a:t>
             </a:r>
           </a:p>
           <a:p>
@@ -6682,11 +6725,27 @@
             </a:r>
             <a:r>
               <a:rPr lang="en-US" dirty="0" err="1" smtClean="0"/>
-              <a:t>hornby</a:t>
+              <a:t>H</a:t>
+            </a:r>
+            <a:r>
+              <a:rPr lang="en-US" dirty="0" err="1" smtClean="0"/>
+              <a:t>ornby</a:t>
             </a:r>
             <a:r>
               <a:rPr lang="en-US" dirty="0" smtClean="0"/>
-              <a:t>  TRI-ANG  is least popular manufacturer.</a:t>
+              <a:t>. </a:t>
+            </a:r>
+            <a:r>
+              <a:rPr lang="en-US" dirty="0" smtClean="0"/>
+              <a:t>TRI-ANG </a:t>
+            </a:r>
+            <a:r>
+              <a:rPr lang="en-US" dirty="0" smtClean="0"/>
+              <a:t>is the </a:t>
+            </a:r>
+            <a:r>
+              <a:rPr lang="en-US" dirty="0" smtClean="0"/>
+              <a:t>least popular manufacturer.</a:t>
             </a:r>
             <a:endParaRPr lang="en-US" dirty="0"/>
           </a:p>
@@ -6697,6 +6756,13 @@
   <p:clrMapOvr>
     <a:masterClrMapping/>
   </p:clrMapOvr>
+  <p:timing>
+    <p:tnLst>
+      <p:par>
+        <p:cTn id="1" dur="indefinite" restart="never" nodeType="tmRoot"/>
+      </p:par>
+    </p:tnLst>
+  </p:timing>
 </p:sld>
 </file>
 
@@ -6795,7 +6861,15 @@
           <a:p>
             <a:r>
               <a:rPr lang="en-US" dirty="0" smtClean="0"/>
-              <a:t>This  graph  indicates the  average prices of Amazon which is between </a:t>
+              <a:t>This </a:t>
+            </a:r>
+            <a:r>
+              <a:rPr lang="en-US" dirty="0" smtClean="0"/>
+              <a:t>graph indicates </a:t>
+            </a:r>
+            <a:r>
+              <a:rPr lang="en-US" dirty="0" smtClean="0"/>
+              <a:t>the  average prices of Amazon which is between </a:t>
             </a:r>
           </a:p>
           <a:p>
@@ -6812,6 +6886,13 @@
   <p:clrMapOvr>
     <a:masterClrMapping/>
   </p:clrMapOvr>
+  <p:timing>
+    <p:tnLst>
+      <p:par>
+        <p:cTn id="1" dur="indefinite" restart="never" nodeType="tmRoot"/>
+      </p:par>
+    </p:tnLst>
+  </p:timing>
 </p:sld>
 </file>
 
@@ -6914,7 +6995,15 @@
           <a:p>
             <a:r>
               <a:rPr lang="en-US" dirty="0" smtClean="0"/>
-              <a:t>This  graph indicates the rating of Amazon’s products, out of which most received 5.0 stars.</a:t>
+              <a:t>This </a:t>
+            </a:r>
+            <a:r>
+              <a:rPr lang="en-US" dirty="0" smtClean="0"/>
+              <a:t>graph </a:t>
+            </a:r>
+            <a:r>
+              <a:rPr lang="en-US" dirty="0" smtClean="0"/>
+              <a:t>indicates the rating of Amazon’s products, out of which most received 5.0 stars.</a:t>
             </a:r>
             <a:br>
               <a:rPr lang="en-US" dirty="0" smtClean="0"/>
@@ -6932,6 +7021,13 @@
   <p:clrMapOvr>
     <a:masterClrMapping/>
   </p:clrMapOvr>
+  <p:timing>
+    <p:tnLst>
+      <p:par>
+        <p:cTn id="1" dur="indefinite" restart="never" nodeType="tmRoot"/>
+      </p:par>
+    </p:tnLst>
+  </p:timing>
 </p:sld>
 </file>
 
@@ -6973,7 +7069,7 @@
                   <a:srgbClr val="C00000"/>
                 </a:solidFill>
               </a:rPr>
-              <a:t>Expensive products worth the price.</a:t>
+              <a:t>Are Expensive products worth the price?</a:t>
             </a:r>
             <a:endParaRPr lang="en-US" dirty="0">
               <a:solidFill>
@@ -6983,60 +7079,97 @@
           </a:p>
         </p:txBody>
       </p:sp>
+      <p:sp>
+        <p:nvSpPr>
+          <p:cNvPr id="4" name="Text Placeholder 3"/>
+          <p:cNvSpPr>
+            <a:spLocks noGrp="1"/>
+          </p:cNvSpPr>
+          <p:nvPr>
+            <p:ph type="body" sz="half" idx="2"/>
+          </p:nvPr>
+        </p:nvSpPr>
+        <p:spPr/>
+        <p:txBody>
+          <a:bodyPr/>
+          <a:lstStyle/>
+          <a:p>
+            <a:r>
+              <a:rPr lang="en-US" dirty="0" smtClean="0"/>
+              <a:t>This  graphs  </a:t>
+            </a:r>
+            <a:r>
+              <a:rPr lang="en-US" dirty="0" smtClean="0"/>
+              <a:t>indicates the </a:t>
+            </a:r>
+            <a:r>
+              <a:rPr lang="en-US" dirty="0" smtClean="0"/>
+              <a:t>rating </a:t>
+            </a:r>
+            <a:r>
+              <a:rPr lang="en-US" dirty="0" smtClean="0"/>
+              <a:t>of products, which </a:t>
+            </a:r>
+            <a:r>
+              <a:rPr lang="en-US" dirty="0" smtClean="0"/>
+              <a:t>is mostly </a:t>
+            </a:r>
+            <a:r>
+              <a:rPr lang="en-US" dirty="0" smtClean="0"/>
+              <a:t>between </a:t>
+            </a:r>
+            <a:r>
+              <a:rPr lang="en-US" dirty="0" smtClean="0"/>
+              <a:t>4.0  to  5.0. It shows that expensive products </a:t>
+            </a:r>
+            <a:r>
+              <a:rPr lang="en-US" dirty="0" smtClean="0"/>
+              <a:t>are worth </a:t>
+            </a:r>
+            <a:r>
+              <a:rPr lang="en-US" dirty="0" smtClean="0"/>
+              <a:t>the price. </a:t>
+            </a:r>
+            <a:endParaRPr lang="en-US" dirty="0"/>
+          </a:p>
+        </p:txBody>
+      </p:sp>
       <p:pic>
         <p:nvPicPr>
-          <p:cNvPr id="4098" name="Picture 2"/>
+          <p:cNvPr id="8" name="Picture 7" descr="4.png"/>
           <p:cNvPicPr>
-            <a:picLocks noGrp="1" noChangeAspect="1" noChangeArrowheads="1"/>
+            <a:picLocks noChangeAspect="1"/>
           </p:cNvPicPr>
-          <p:nvPr>
-            <p:ph type="pic" idx="1"/>
-          </p:nvPr>
+          <p:nvPr/>
         </p:nvPicPr>
         <p:blipFill>
           <a:blip r:embed="rId2" cstate="print"/>
-          <a:srcRect l="9375" r="9375"/>
           <a:stretch>
             <a:fillRect/>
           </a:stretch>
         </p:blipFill>
-        <p:spPr bwMode="auto">
+        <p:spPr>
+          <a:xfrm>
+            <a:off x="3048000" y="533400"/>
+            <a:ext cx="6096000" cy="4191000"/>
+          </a:xfrm>
           <a:prstGeom prst="rect">
             <a:avLst/>
           </a:prstGeom>
-          <a:noFill/>
-          <a:ln w="9525">
-            <a:noFill/>
-            <a:miter lim="800000"/>
-            <a:headEnd/>
-            <a:tailEnd/>
-          </a:ln>
         </p:spPr>
       </p:pic>
-      <p:sp>
-        <p:nvSpPr>
-          <p:cNvPr id="4" name="Text Placeholder 3"/>
-          <p:cNvSpPr>
-            <a:spLocks noGrp="1"/>
-          </p:cNvSpPr>
-          <p:nvPr>
-            <p:ph type="body" sz="half" idx="2"/>
-          </p:nvPr>
-        </p:nvSpPr>
-        <p:spPr/>
-        <p:txBody>
-          <a:bodyPr/>
-          <a:lstStyle/>
-          <a:p>
-            <a:endParaRPr lang="en-US"/>
-          </a:p>
-        </p:txBody>
-      </p:sp>
     </p:spTree>
   </p:cSld>
   <p:clrMapOvr>
     <a:masterClrMapping/>
   </p:clrMapOvr>
+  <p:timing>
+    <p:tnLst>
+      <p:par>
+        <p:cTn id="1" dur="indefinite" restart="never" nodeType="tmRoot"/>
+      </p:par>
+    </p:tnLst>
+  </p:timing>
 </p:sld>
 </file>
 
@@ -7127,7 +7260,19 @@
           <a:bodyPr/>
           <a:lstStyle/>
           <a:p>
-            <a:endParaRPr lang="en-US"/>
+            <a:r>
+              <a:rPr lang="en-US" dirty="0" smtClean="0"/>
+              <a:t>This graph </a:t>
+            </a:r>
+            <a:r>
+              <a:rPr lang="en-US" dirty="0" smtClean="0"/>
+              <a:t>shows </a:t>
+            </a:r>
+            <a:r>
+              <a:rPr lang="en-US" dirty="0" smtClean="0"/>
+              <a:t>the number of answered questions. It is clear that mostly, 1-2 questions are answered, and sometimes, none are answered, which is a point of concern.</a:t>
+            </a:r>
+            <a:endParaRPr lang="en-US" dirty="0"/>
           </a:p>
         </p:txBody>
       </p:sp>
@@ -7136,6 +7281,13 @@
   <p:clrMapOvr>
     <a:masterClrMapping/>
   </p:clrMapOvr>
+  <p:timing>
+    <p:tnLst>
+      <p:par>
+        <p:cTn id="1" dur="indefinite" restart="never" nodeType="tmRoot"/>
+      </p:par>
+    </p:tnLst>
+  </p:timing>
 </p:sld>
 </file>
 
@@ -7174,10 +7326,18 @@
           <a:lstStyle/>
           <a:p>
             <a:r>
-              <a:rPr lang="en-US" dirty="0" smtClean="0"/>
+              <a:rPr lang="en-US" dirty="0" smtClean="0">
+                <a:solidFill>
+                  <a:srgbClr val="FF0000"/>
+                </a:solidFill>
+              </a:rPr>
               <a:t>The Relation between Brands and other values</a:t>
             </a:r>
-            <a:endParaRPr lang="en-US" dirty="0"/>
+            <a:endParaRPr lang="en-US" dirty="0">
+              <a:solidFill>
+                <a:srgbClr val="FF0000"/>
+              </a:solidFill>
+            </a:endParaRPr>
           </a:p>
         </p:txBody>
       </p:sp>
@@ -7220,7 +7380,61 @@
           <a:bodyPr/>
           <a:lstStyle/>
           <a:p>
-            <a:endParaRPr lang="en-US"/>
+            <a:r>
+              <a:rPr lang="en-US" dirty="0" smtClean="0"/>
+              <a:t>These graphs show the </a:t>
+            </a:r>
+            <a:r>
+              <a:rPr lang="en-US" dirty="0" smtClean="0"/>
+              <a:t>relation between </a:t>
+            </a:r>
+            <a:r>
+              <a:rPr lang="en-US" dirty="0" smtClean="0"/>
+              <a:t>brands  </a:t>
+            </a:r>
+            <a:r>
+              <a:rPr lang="en-US" dirty="0" smtClean="0"/>
+              <a:t>and other </a:t>
+            </a:r>
+            <a:r>
+              <a:rPr lang="en-US" dirty="0" smtClean="0"/>
+              <a:t>values</a:t>
+            </a:r>
+            <a:r>
+              <a:rPr lang="en-US" dirty="0" smtClean="0"/>
+              <a:t>.</a:t>
+            </a:r>
+            <a:endParaRPr lang="en-US" dirty="0" smtClean="0"/>
+          </a:p>
+          <a:p>
+            <a:r>
+              <a:rPr lang="en-US" dirty="0" smtClean="0"/>
+              <a:t>It shows </a:t>
+            </a:r>
+            <a:r>
+              <a:rPr lang="en-US" dirty="0" smtClean="0"/>
+              <a:t>different </a:t>
+            </a:r>
+            <a:r>
+              <a:rPr lang="en-US" dirty="0" smtClean="0"/>
+              <a:t>manufacturer’s</a:t>
+            </a:r>
+            <a:r>
+              <a:rPr lang="en-US" dirty="0"/>
+              <a:t> </a:t>
+            </a:r>
+            <a:r>
+              <a:rPr lang="en-US" dirty="0" smtClean="0"/>
+              <a:t>relation with </a:t>
+            </a:r>
+            <a:r>
+              <a:rPr lang="en-US" dirty="0" smtClean="0"/>
+              <a:t>price, answered questions, rating, etc. </a:t>
+            </a:r>
+            <a:r>
+              <a:rPr lang="en-US" dirty="0" smtClean="0"/>
+              <a:t>which is indicated by different colors.</a:t>
+            </a:r>
           </a:p>
         </p:txBody>
       </p:sp>
@@ -7229,6 +7443,13 @@
   <p:clrMapOvr>
     <a:masterClrMapping/>
   </p:clrMapOvr>
+  <p:timing>
+    <p:tnLst>
+      <p:par>
+        <p:cTn id="1" dur="indefinite" restart="never" nodeType="tmRoot"/>
+      </p:par>
+    </p:tnLst>
+  </p:timing>
 </p:sld>
 </file>
 

--- a/Project-PPT.pptx
+++ b/Project-PPT.pptx
@@ -6622,23 +6622,7 @@
                   <a:srgbClr val="C00000"/>
                 </a:solidFill>
               </a:rPr>
-              <a:t>The most popular </a:t>
-            </a:r>
-            <a:r>
-              <a:rPr lang="en-US" dirty="0" smtClean="0">
-                <a:solidFill>
-                  <a:srgbClr val="C00000"/>
-                </a:solidFill>
-              </a:rPr>
-              <a:t>manufacturers </a:t>
-            </a:r>
-            <a:r>
-              <a:rPr lang="en-US" dirty="0" smtClean="0">
-                <a:solidFill>
-                  <a:srgbClr val="C00000"/>
-                </a:solidFill>
-              </a:rPr>
-              <a:t>of Amazon</a:t>
+              <a:t>The most popular manufacturers of Amazon</a:t>
             </a:r>
             <a:endParaRPr lang="en-US" dirty="0">
               <a:solidFill>
@@ -6695,57 +6679,13 @@
           <a:p>
             <a:r>
               <a:rPr lang="en-US" dirty="0" smtClean="0"/>
-              <a:t>This data shows the most </a:t>
-            </a:r>
+              <a:t>This data shows the most popular manufacturers of Amazon.</a:t>
+            </a:r>
+          </a:p>
+          <a:p>
             <a:r>
               <a:rPr lang="en-US" dirty="0" smtClean="0"/>
-              <a:t>popular </a:t>
-            </a:r>
-            <a:r>
-              <a:rPr lang="en-US" dirty="0" smtClean="0"/>
-              <a:t>manufacturers </a:t>
-            </a:r>
-            <a:r>
-              <a:rPr lang="en-US" dirty="0" smtClean="0"/>
-              <a:t>of </a:t>
-            </a:r>
-            <a:r>
-              <a:rPr lang="en-US" dirty="0" smtClean="0"/>
-              <a:t>Amazon</a:t>
-            </a:r>
-            <a:r>
-              <a:rPr lang="en-US" dirty="0" smtClean="0"/>
-              <a:t>.</a:t>
-            </a:r>
-          </a:p>
-          <a:p>
-            <a:r>
-              <a:rPr lang="en-US" dirty="0" smtClean="0"/>
-              <a:t>Oxford is most popular manufacturer and followed by  </a:t>
-            </a:r>
-            <a:r>
-              <a:rPr lang="en-US" dirty="0" err="1" smtClean="0"/>
-              <a:t>H</a:t>
-            </a:r>
-            <a:r>
-              <a:rPr lang="en-US" dirty="0" err="1" smtClean="0"/>
-              <a:t>ornby</a:t>
-            </a:r>
-            <a:r>
-              <a:rPr lang="en-US" dirty="0" smtClean="0"/>
-              <a:t>. </a:t>
-            </a:r>
-            <a:r>
-              <a:rPr lang="en-US" dirty="0" smtClean="0"/>
-              <a:t>TRI-ANG </a:t>
-            </a:r>
-            <a:r>
-              <a:rPr lang="en-US" dirty="0" smtClean="0"/>
-              <a:t>is the </a:t>
-            </a:r>
-            <a:r>
-              <a:rPr lang="en-US" dirty="0" smtClean="0"/>
-              <a:t>least popular manufacturer.</a:t>
+              <a:t>Oxford is most popular manufacturer and followed by  Hornby. TRI-ANG is the least popular manufacturer.</a:t>
             </a:r>
             <a:endParaRPr lang="en-US" dirty="0"/>
           </a:p>
@@ -6861,21 +6801,27 @@
           <a:p>
             <a:r>
               <a:rPr lang="en-US" dirty="0" smtClean="0"/>
-              <a:t>This </a:t>
+              <a:t>This graph indicates the  average prices of Amazon which is </a:t>
+            </a:r>
+            <a:r>
+              <a:rPr lang="en-US" smtClean="0"/>
+              <a:t>between </a:t>
+            </a:r>
+            <a:r>
+              <a:rPr lang="en-US" smtClean="0"/>
+              <a:t>$</a:t>
             </a:r>
             <a:r>
               <a:rPr lang="en-US" dirty="0" smtClean="0"/>
-              <a:t>graph indicates </a:t>
-            </a:r>
-            <a:r>
-              <a:rPr lang="en-US" dirty="0" smtClean="0"/>
-              <a:t>the  average prices of Amazon which is between </a:t>
-            </a:r>
-          </a:p>
-          <a:p>
-            <a:r>
-              <a:rPr lang="en-US" dirty="0" smtClean="0"/>
-              <a:t> $1  to  $ 24 . </a:t>
+              <a:t>1  to  </a:t>
+            </a:r>
+            <a:r>
+              <a:rPr lang="en-US" smtClean="0"/>
+              <a:t>$ </a:t>
+            </a:r>
+            <a:r>
+              <a:rPr lang="en-US" smtClean="0"/>
+              <a:t>24. </a:t>
             </a:r>
             <a:endParaRPr lang="en-US" dirty="0"/>
           </a:p>
@@ -6995,15 +6941,7 @@
           <a:p>
             <a:r>
               <a:rPr lang="en-US" dirty="0" smtClean="0"/>
-              <a:t>This </a:t>
-            </a:r>
-            <a:r>
-              <a:rPr lang="en-US" dirty="0" smtClean="0"/>
-              <a:t>graph </a:t>
-            </a:r>
-            <a:r>
-              <a:rPr lang="en-US" dirty="0" smtClean="0"/>
-              <a:t>indicates the rating of Amazon’s products, out of which most received 5.0 stars.</a:t>
+              <a:t>This graph indicates the rating of Amazon’s products, out of which most received 5.0 stars.</a:t>
             </a:r>
             <a:br>
               <a:rPr lang="en-US" dirty="0" smtClean="0"/>
@@ -7096,39 +7034,7 @@
           <a:p>
             <a:r>
               <a:rPr lang="en-US" dirty="0" smtClean="0"/>
-              <a:t>This  graphs  </a:t>
-            </a:r>
-            <a:r>
-              <a:rPr lang="en-US" dirty="0" smtClean="0"/>
-              <a:t>indicates the </a:t>
-            </a:r>
-            <a:r>
-              <a:rPr lang="en-US" dirty="0" smtClean="0"/>
-              <a:t>rating </a:t>
-            </a:r>
-            <a:r>
-              <a:rPr lang="en-US" dirty="0" smtClean="0"/>
-              <a:t>of products, which </a:t>
-            </a:r>
-            <a:r>
-              <a:rPr lang="en-US" dirty="0" smtClean="0"/>
-              <a:t>is mostly </a:t>
-            </a:r>
-            <a:r>
-              <a:rPr lang="en-US" dirty="0" smtClean="0"/>
-              <a:t>between </a:t>
-            </a:r>
-            <a:r>
-              <a:rPr lang="en-US" dirty="0" smtClean="0"/>
-              <a:t>4.0  to  5.0. It shows that expensive products </a:t>
-            </a:r>
-            <a:r>
-              <a:rPr lang="en-US" dirty="0" smtClean="0"/>
-              <a:t>are worth </a:t>
-            </a:r>
-            <a:r>
-              <a:rPr lang="en-US" dirty="0" smtClean="0"/>
-              <a:t>the price. </a:t>
+              <a:t>This  graphs  indicates the rating of products, which is mostly between 4.0  to  5.0. It shows that expensive products are worth the price. </a:t>
             </a:r>
             <a:endParaRPr lang="en-US" dirty="0"/>
           </a:p>
@@ -7262,15 +7168,7 @@
           <a:p>
             <a:r>
               <a:rPr lang="en-US" dirty="0" smtClean="0"/>
-              <a:t>This graph </a:t>
-            </a:r>
-            <a:r>
-              <a:rPr lang="en-US" dirty="0" smtClean="0"/>
-              <a:t>shows </a:t>
-            </a:r>
-            <a:r>
-              <a:rPr lang="en-US" dirty="0" smtClean="0"/>
-              <a:t>the number of answered questions. It is clear that mostly, 1-2 questions are answered, and sometimes, none are answered, which is a point of concern.</a:t>
+              <a:t>This graph shows the number of answered questions. It is clear that mostly, 1-2 questions are answered, and sometimes, none are answered, which is a point of concern.</a:t>
             </a:r>
             <a:endParaRPr lang="en-US" dirty="0"/>
           </a:p>
@@ -7382,42 +7280,13 @@
           <a:p>
             <a:r>
               <a:rPr lang="en-US" dirty="0" smtClean="0"/>
-              <a:t>These graphs show the </a:t>
-            </a:r>
+              <a:t>These graphs show the relation between brands  and other values.</a:t>
+            </a:r>
+          </a:p>
+          <a:p>
             <a:r>
               <a:rPr lang="en-US" dirty="0" smtClean="0"/>
-              <a:t>relation between </a:t>
-            </a:r>
-            <a:r>
-              <a:rPr lang="en-US" dirty="0" smtClean="0"/>
-              <a:t>brands  </a:t>
-            </a:r>
-            <a:r>
-              <a:rPr lang="en-US" dirty="0" smtClean="0"/>
-              <a:t>and other </a:t>
-            </a:r>
-            <a:r>
-              <a:rPr lang="en-US" dirty="0" smtClean="0"/>
-              <a:t>values</a:t>
-            </a:r>
-            <a:r>
-              <a:rPr lang="en-US" dirty="0" smtClean="0"/>
-              <a:t>.</a:t>
-            </a:r>
-            <a:endParaRPr lang="en-US" dirty="0" smtClean="0"/>
-          </a:p>
-          <a:p>
-            <a:r>
-              <a:rPr lang="en-US" dirty="0" smtClean="0"/>
-              <a:t>It shows </a:t>
-            </a:r>
-            <a:r>
-              <a:rPr lang="en-US" dirty="0" smtClean="0"/>
-              <a:t>different </a:t>
-            </a:r>
-            <a:r>
-              <a:rPr lang="en-US" dirty="0" smtClean="0"/>
-              <a:t>manufacturer’s</a:t>
+              <a:t>It shows different manufacturer’s</a:t>
             </a:r>
             <a:r>
               <a:rPr lang="en-US" dirty="0"/>
@@ -7425,15 +7294,7 @@
             </a:r>
             <a:r>
               <a:rPr lang="en-US" dirty="0" smtClean="0"/>
-              <a:t>relation with </a:t>
-            </a:r>
-            <a:r>
-              <a:rPr lang="en-US" dirty="0" smtClean="0"/>
-              <a:t>price, answered questions, rating, etc. </a:t>
-            </a:r>
-            <a:r>
-              <a:rPr lang="en-US" dirty="0" smtClean="0"/>
-              <a:t>which is indicated by different colors.</a:t>
+              <a:t>relation with price, answered questions, rating, etc. which is indicated by different colors.</a:t>
             </a:r>
           </a:p>
         </p:txBody>

--- a/Project-PPT.pptx
+++ b/Project-PPT.pptx
@@ -6679,14 +6679,34 @@
           <a:p>
             <a:r>
               <a:rPr lang="en-US" dirty="0" smtClean="0"/>
-              <a:t>This data shows the most popular manufacturers of Amazon.</a:t>
-            </a:r>
-          </a:p>
-          <a:p>
+              <a:t>This </a:t>
+            </a:r>
             <a:r>
               <a:rPr lang="en-US" dirty="0" smtClean="0"/>
-              <a:t>Oxford is most popular manufacturer and followed by  Hornby. TRI-ANG is the least popular manufacturer.</a:t>
-            </a:r>
+              <a:t>graph </a:t>
+            </a:r>
+            <a:r>
+              <a:rPr lang="en-US" dirty="0" smtClean="0"/>
+              <a:t>shows the most popular manufacturers of Amazon.</a:t>
+            </a:r>
+          </a:p>
+          <a:p>
+            <a:r>
+              <a:rPr lang="en-US" dirty="0" smtClean="0"/>
+              <a:t>Oxford is most popular manufacturer and followed by  Hornby. TRI-ANG is the least popular manufacturer</a:t>
+            </a:r>
+            <a:r>
+              <a:rPr lang="en-US" dirty="0" smtClean="0"/>
+              <a:t>. </a:t>
+            </a:r>
+          </a:p>
+          <a:p>
+            <a:r>
+              <a:rPr lang="en-US" dirty="0" smtClean="0"/>
+              <a:t>and other companies  are manufacturing  products  less than  50.</a:t>
+            </a:r>
+          </a:p>
+          <a:p>
             <a:endParaRPr lang="en-US" dirty="0"/>
           </a:p>
         </p:txBody>
@@ -6801,27 +6821,22 @@
           <a:p>
             <a:r>
               <a:rPr lang="en-US" dirty="0" smtClean="0"/>
-              <a:t>This graph indicates the  average prices of Amazon which is </a:t>
-            </a:r>
-            <a:r>
-              <a:rPr lang="en-US" smtClean="0"/>
-              <a:t>between </a:t>
-            </a:r>
-            <a:r>
-              <a:rPr lang="en-US" smtClean="0"/>
-              <a:t>$</a:t>
-            </a:r>
+              <a:t>This graph indicates the  average prices of Amazon which is between $1  to  $ 24. </a:t>
+            </a:r>
+            <a:endParaRPr lang="en-US" dirty="0" smtClean="0"/>
+          </a:p>
+          <a:p>
             <a:r>
               <a:rPr lang="en-US" dirty="0" smtClean="0"/>
-              <a:t>1  to  </a:t>
-            </a:r>
-            <a:r>
-              <a:rPr lang="en-US" smtClean="0"/>
-              <a:t>$ </a:t>
-            </a:r>
-            <a:r>
-              <a:rPr lang="en-US" smtClean="0"/>
-              <a:t>24. </a:t>
+              <a:t>It shows the prices of </a:t>
+            </a:r>
+            <a:r>
+              <a:rPr lang="en-US" dirty="0" err="1" smtClean="0"/>
+              <a:t>amazon’s</a:t>
+            </a:r>
+            <a:r>
+              <a:rPr lang="en-US" dirty="0" smtClean="0"/>
+              <a:t> products  are reachable to customers . </a:t>
             </a:r>
             <a:endParaRPr lang="en-US" dirty="0"/>
           </a:p>
@@ -6948,7 +6963,28 @@
             </a:br>
             <a:r>
               <a:rPr lang="en-US" dirty="0" smtClean="0"/>
-              <a:t>However, there are some products which received a rating of 4.0 stars.</a:t>
+              <a:t>However, there are some products which received a rating of 4.0 stars</a:t>
+            </a:r>
+            <a:r>
+              <a:rPr lang="en-US" dirty="0" smtClean="0"/>
+              <a:t>.</a:t>
+            </a:r>
+          </a:p>
+          <a:p>
+            <a:r>
+              <a:rPr lang="en-US" dirty="0" smtClean="0"/>
+              <a:t>It  states  that most products are considered nice by </a:t>
+            </a:r>
+            <a:r>
+              <a:rPr lang="en-US" smtClean="0"/>
+              <a:t>the customers.</a:t>
+            </a:r>
+            <a:endParaRPr lang="en-US" dirty="0" smtClean="0"/>
+          </a:p>
+          <a:p>
+            <a:r>
+              <a:rPr lang="en-US" dirty="0" smtClean="0"/>
+              <a:t> </a:t>
             </a:r>
             <a:endParaRPr lang="en-US" dirty="0"/>
           </a:p>
@@ -7035,6 +7071,21 @@
             <a:r>
               <a:rPr lang="en-US" dirty="0" smtClean="0"/>
               <a:t>This  graphs  indicates the rating of products, which is mostly between 4.0  to  5.0. It shows that expensive products are worth the price. </a:t>
+            </a:r>
+            <a:endParaRPr lang="en-US" dirty="0" smtClean="0"/>
+          </a:p>
+          <a:p>
+            <a:r>
+              <a:rPr lang="en-US" dirty="0" smtClean="0"/>
+              <a:t>It shows  the   prices of  products of  </a:t>
+            </a:r>
+            <a:r>
+              <a:rPr lang="en-US" dirty="0" err="1" smtClean="0"/>
+              <a:t>amazon</a:t>
+            </a:r>
+            <a:r>
+              <a:rPr lang="en-US" dirty="0" smtClean="0"/>
+              <a:t>  are not expensive because of customer’s choice.</a:t>
             </a:r>
             <a:endParaRPr lang="en-US" dirty="0"/>
           </a:p>
